--- a/Java_Hack_2018_Nov.pptx
+++ b/Java_Hack_2018_Nov.pptx
@@ -10,17 +10,19 @@
     <p:sldMasterId id="2147483668" r:id="rId6"/>
   </p:sldMasterIdLst>
   <p:notesMasterIdLst>
-    <p:notesMasterId r:id="rId12"/>
+    <p:notesMasterId r:id="rId14"/>
   </p:notesMasterIdLst>
   <p:handoutMasterIdLst>
-    <p:handoutMasterId r:id="rId13"/>
+    <p:handoutMasterId r:id="rId15"/>
   </p:handoutMasterIdLst>
   <p:sldIdLst>
     <p:sldId id="1452" r:id="rId7"/>
     <p:sldId id="1453" r:id="rId8"/>
     <p:sldId id="1455" r:id="rId9"/>
     <p:sldId id="1454" r:id="rId10"/>
-    <p:sldId id="1456" r:id="rId11"/>
+    <p:sldId id="1457" r:id="rId11"/>
+    <p:sldId id="1458" r:id="rId12"/>
+    <p:sldId id="1456" r:id="rId13"/>
   </p:sldIdLst>
   <p:sldSz cx="12188825" cy="6858000"/>
   <p:notesSz cx="6858000" cy="9144000"/>
@@ -158,6 +160,8 @@
             <p14:sldId id="1453"/>
             <p14:sldId id="1455"/>
             <p14:sldId id="1454"/>
+            <p14:sldId id="1457"/>
+            <p14:sldId id="1458"/>
             <p14:sldId id="1456"/>
           </p14:sldIdLst>
         </p14:section>
@@ -6123,7 +6127,7 @@
           <a:p>
             <a:fld id="{4499F3A4-7CE6-7D4B-82F4-AAB0A89D24A0}" type="datetimeFigureOut">
               <a:rPr lang="en-US" smtClean="0"/>
-              <a:t>10/20/2018</a:t>
+              <a:t>11/8/2018</a:t>
             </a:fld>
             <a:endParaRPr lang="en-US"/>
           </a:p>
@@ -6288,7 +6292,7 @@
           <a:p>
             <a:fld id="{05EFC038-22C4-443C-8175-6D44FCFE2DC2}" type="datetimeFigureOut">
               <a:rPr lang="en-US" smtClean="0"/>
-              <a:t>10/20/2018</a:t>
+              <a:t>11/8/2018</a:t>
             </a:fld>
             <a:endParaRPr lang="en-US"/>
           </a:p>
@@ -16823,7 +16827,7 @@
           <p:cNvPr id="7" name="Rectangle 6">
             <a:extLst>
               <a:ext uri="{FF2B5EF4-FFF2-40B4-BE49-F238E27FC236}">
-                <a16:creationId xmlns="" xmlns:a16="http://schemas.microsoft.com/office/drawing/2014/main" id="{51377A9C-ED53-4ED3-B940-2B3F33695759}"/>
+                <a16:creationId xmlns:a16="http://schemas.microsoft.com/office/drawing/2014/main" xmlns="" id="{51377A9C-ED53-4ED3-B940-2B3F33695759}"/>
               </a:ext>
             </a:extLst>
           </p:cNvPr>
@@ -16874,7 +16878,7 @@
           <p:cNvPr id="8" name="Picture 7" descr="mark4.png">
             <a:extLst>
               <a:ext uri="{FF2B5EF4-FFF2-40B4-BE49-F238E27FC236}">
-                <a16:creationId xmlns="" xmlns:a16="http://schemas.microsoft.com/office/drawing/2014/main" id="{2EB392AE-7A01-4313-8DEC-49C6E5380430}"/>
+                <a16:creationId xmlns:a16="http://schemas.microsoft.com/office/drawing/2014/main" xmlns="" id="{2EB392AE-7A01-4313-8DEC-49C6E5380430}"/>
               </a:ext>
             </a:extLst>
           </p:cNvPr>
@@ -16910,7 +16914,7 @@
           <p:cNvPr id="9" name="Text Box 14">
             <a:extLst>
               <a:ext uri="{FF2B5EF4-FFF2-40B4-BE49-F238E27FC236}">
-                <a16:creationId xmlns="" xmlns:a16="http://schemas.microsoft.com/office/drawing/2014/main" id="{6637551D-AF29-4950-A3CD-8B6E9D8776BA}"/>
+                <a16:creationId xmlns:a16="http://schemas.microsoft.com/office/drawing/2014/main" xmlns="" id="{6637551D-AF29-4950-A3CD-8B6E9D8776BA}"/>
               </a:ext>
             </a:extLst>
           </p:cNvPr>
@@ -17400,7 +17404,7 @@
           <p:cNvPr id="7" name="Rectangle 6">
             <a:extLst>
               <a:ext uri="{FF2B5EF4-FFF2-40B4-BE49-F238E27FC236}">
-                <a16:creationId xmlns="" xmlns:a16="http://schemas.microsoft.com/office/drawing/2014/main" id="{004044B2-3EC1-5542-A84A-03BCADDD9A8C}"/>
+                <a16:creationId xmlns:a16="http://schemas.microsoft.com/office/drawing/2014/main" xmlns="" id="{004044B2-3EC1-5542-A84A-03BCADDD9A8C}"/>
               </a:ext>
             </a:extLst>
           </p:cNvPr>
@@ -17451,7 +17455,7 @@
           <p:cNvPr id="8" name="Picture 7" descr="mark4.png">
             <a:extLst>
               <a:ext uri="{FF2B5EF4-FFF2-40B4-BE49-F238E27FC236}">
-                <a16:creationId xmlns="" xmlns:a16="http://schemas.microsoft.com/office/drawing/2014/main" id="{C3135819-F42E-6E46-9BBE-54848FFD553C}"/>
+                <a16:creationId xmlns:a16="http://schemas.microsoft.com/office/drawing/2014/main" xmlns="" id="{C3135819-F42E-6E46-9BBE-54848FFD553C}"/>
               </a:ext>
             </a:extLst>
           </p:cNvPr>
@@ -17487,7 +17491,7 @@
           <p:cNvPr id="11" name="Text Box 14">
             <a:extLst>
               <a:ext uri="{FF2B5EF4-FFF2-40B4-BE49-F238E27FC236}">
-                <a16:creationId xmlns="" xmlns:a16="http://schemas.microsoft.com/office/drawing/2014/main" id="{AFF05405-E0DB-BE49-B537-2FD7CAE677B5}"/>
+                <a16:creationId xmlns:a16="http://schemas.microsoft.com/office/drawing/2014/main" xmlns="" id="{AFF05405-E0DB-BE49-B537-2FD7CAE677B5}"/>
               </a:ext>
             </a:extLst>
           </p:cNvPr>
@@ -18434,7 +18438,7 @@
           <a:p>
             <a:fld id="{A1FC8FC9-43FA-40A3-A33F-D3A06E7596CD}" type="datetimeFigureOut">
               <a:rPr lang="en-US" smtClean="0"/>
-              <a:t>10/20/2018</a:t>
+              <a:t>11/8/2018</a:t>
             </a:fld>
             <a:endParaRPr lang="en-US"/>
           </a:p>
@@ -19301,14 +19305,14 @@
           </a:ln>
           <a:extLst>
             <a:ext uri="{909E8E84-426E-40dd-AFC4-6F175D3DCCD1}">
-              <a14:hiddenFill xmlns="" xmlns:a14="http://schemas.microsoft.com/office/drawing/2010/main">
+              <a14:hiddenFill xmlns:a14="http://schemas.microsoft.com/office/drawing/2010/main" xmlns="">
                 <a:solidFill>
                   <a:srgbClr val="FFFFFF"/>
                 </a:solidFill>
               </a14:hiddenFill>
             </a:ext>
             <a:ext uri="{91240B29-F687-4f45-9708-019B960494DF}">
-              <a14:hiddenLine xmlns="" xmlns:a14="http://schemas.microsoft.com/office/drawing/2010/main" w="9525">
+              <a14:hiddenLine xmlns:a14="http://schemas.microsoft.com/office/drawing/2010/main" xmlns="" w="9525">
                 <a:solidFill>
                   <a:srgbClr val="000000"/>
                 </a:solidFill>
@@ -19318,7 +19322,7 @@
               </a14:hiddenLine>
             </a:ext>
             <a:ext uri="{FAA26D3D-D897-4be2-8F04-BA451C77F1D7}">
-              <ma14:placeholderFlag xmlns="" xmlns:ma14="http://schemas.microsoft.com/office/mac/drawingml/2011/main" val="1"/>
+              <ma14:placeholderFlag xmlns:ma14="http://schemas.microsoft.com/office/mac/drawingml/2011/main" xmlns="" val="1"/>
             </a:ext>
           </a:extLst>
         </p:spPr>
@@ -19363,14 +19367,14 @@
           </a:ln>
           <a:extLst>
             <a:ext uri="{909E8E84-426E-40dd-AFC4-6F175D3DCCD1}">
-              <a14:hiddenFill xmlns="" xmlns:a14="http://schemas.microsoft.com/office/drawing/2010/main">
+              <a14:hiddenFill xmlns:a14="http://schemas.microsoft.com/office/drawing/2010/main" xmlns="">
                 <a:solidFill>
                   <a:srgbClr val="FFFFFF"/>
                 </a:solidFill>
               </a14:hiddenFill>
             </a:ext>
             <a:ext uri="{91240B29-F687-4f45-9708-019B960494DF}">
-              <a14:hiddenLine xmlns="" xmlns:a14="http://schemas.microsoft.com/office/drawing/2010/main" w="9525">
+              <a14:hiddenLine xmlns:a14="http://schemas.microsoft.com/office/drawing/2010/main" xmlns="" w="9525">
                 <a:solidFill>
                   <a:srgbClr val="000000"/>
                 </a:solidFill>
@@ -19380,7 +19384,7 @@
               </a14:hiddenLine>
             </a:ext>
             <a:ext uri="{FAA26D3D-D897-4be2-8F04-BA451C77F1D7}">
-              <ma14:placeholderFlag xmlns="" xmlns:ma14="http://schemas.microsoft.com/office/mac/drawingml/2011/main" val="1"/>
+              <ma14:placeholderFlag xmlns:ma14="http://schemas.microsoft.com/office/mac/drawingml/2011/main" xmlns="" val="1"/>
             </a:ext>
           </a:extLst>
         </p:spPr>
@@ -19478,7 +19482,7 @@
               <a:pPr>
                 <a:defRPr/>
               </a:pPr>
-              <a:t>10/20/2018</a:t>
+              <a:t>11/8/2018</a:t>
             </a:fld>
             <a:endParaRPr lang="en-US" dirty="0"/>
           </a:p>
@@ -20069,14 +20073,14 @@
           </a:ln>
           <a:extLst>
             <a:ext uri="{909E8E84-426E-40dd-AFC4-6F175D3DCCD1}">
-              <a14:hiddenFill xmlns="" xmlns:a14="http://schemas.microsoft.com/office/drawing/2010/main">
+              <a14:hiddenFill xmlns:a14="http://schemas.microsoft.com/office/drawing/2010/main" xmlns="">
                 <a:solidFill>
                   <a:srgbClr val="FFFFFF"/>
                 </a:solidFill>
               </a14:hiddenFill>
             </a:ext>
             <a:ext uri="{91240B29-F687-4f45-9708-019B960494DF}">
-              <a14:hiddenLine xmlns="" xmlns:a14="http://schemas.microsoft.com/office/drawing/2010/main" w="9525">
+              <a14:hiddenLine xmlns:a14="http://schemas.microsoft.com/office/drawing/2010/main" xmlns="" w="9525">
                 <a:solidFill>
                   <a:srgbClr val="000000"/>
                 </a:solidFill>
@@ -20086,7 +20090,7 @@
               </a14:hiddenLine>
             </a:ext>
             <a:ext uri="{FAA26D3D-D897-4be2-8F04-BA451C77F1D7}">
-              <ma14:placeholderFlag xmlns="" xmlns:ma14="http://schemas.microsoft.com/office/mac/drawingml/2011/main" val="1"/>
+              <ma14:placeholderFlag xmlns:ma14="http://schemas.microsoft.com/office/mac/drawingml/2011/main" xmlns="" val="1"/>
             </a:ext>
           </a:extLst>
         </p:spPr>
@@ -20131,14 +20135,14 @@
           </a:ln>
           <a:extLst>
             <a:ext uri="{909E8E84-426E-40dd-AFC4-6F175D3DCCD1}">
-              <a14:hiddenFill xmlns="" xmlns:a14="http://schemas.microsoft.com/office/drawing/2010/main">
+              <a14:hiddenFill xmlns:a14="http://schemas.microsoft.com/office/drawing/2010/main" xmlns="">
                 <a:solidFill>
                   <a:srgbClr val="FFFFFF"/>
                 </a:solidFill>
               </a14:hiddenFill>
             </a:ext>
             <a:ext uri="{91240B29-F687-4f45-9708-019B960494DF}">
-              <a14:hiddenLine xmlns="" xmlns:a14="http://schemas.microsoft.com/office/drawing/2010/main" w="9525">
+              <a14:hiddenLine xmlns:a14="http://schemas.microsoft.com/office/drawing/2010/main" xmlns="" w="9525">
                 <a:solidFill>
                   <a:srgbClr val="000000"/>
                 </a:solidFill>
@@ -20148,7 +20152,7 @@
               </a14:hiddenLine>
             </a:ext>
             <a:ext uri="{FAA26D3D-D897-4be2-8F04-BA451C77F1D7}">
-              <ma14:placeholderFlag xmlns="" xmlns:ma14="http://schemas.microsoft.com/office/mac/drawingml/2011/main" val="1"/>
+              <ma14:placeholderFlag xmlns:ma14="http://schemas.microsoft.com/office/mac/drawingml/2011/main" xmlns="" val="1"/>
             </a:ext>
           </a:extLst>
         </p:spPr>
@@ -20246,7 +20250,7 @@
               <a:pPr>
                 <a:defRPr/>
               </a:pPr>
-              <a:t>10/20/2018</a:t>
+              <a:t>11/8/2018</a:t>
             </a:fld>
             <a:endParaRPr lang="en-US" dirty="0"/>
           </a:p>
@@ -21711,14 +21715,14 @@
           </a:ln>
           <a:extLst>
             <a:ext uri="{909E8E84-426E-40dd-AFC4-6F175D3DCCD1}">
-              <a14:hiddenFill xmlns="" xmlns:a14="http://schemas.microsoft.com/office/drawing/2010/main">
+              <a14:hiddenFill xmlns:a14="http://schemas.microsoft.com/office/drawing/2010/main" xmlns="">
                 <a:solidFill>
                   <a:srgbClr val="FFFFFF"/>
                 </a:solidFill>
               </a14:hiddenFill>
             </a:ext>
             <a:ext uri="{91240B29-F687-4f45-9708-019B960494DF}">
-              <a14:hiddenLine xmlns="" xmlns:a14="http://schemas.microsoft.com/office/drawing/2010/main" w="9525">
+              <a14:hiddenLine xmlns:a14="http://schemas.microsoft.com/office/drawing/2010/main" xmlns="" w="9525">
                 <a:solidFill>
                   <a:srgbClr val="000000"/>
                 </a:solidFill>
@@ -21728,7 +21732,7 @@
               </a14:hiddenLine>
             </a:ext>
             <a:ext uri="{FAA26D3D-D897-4be2-8F04-BA451C77F1D7}">
-              <ma14:placeholderFlag xmlns="" xmlns:ma14="http://schemas.microsoft.com/office/mac/drawingml/2011/main" val="1"/>
+              <ma14:placeholderFlag xmlns:ma14="http://schemas.microsoft.com/office/mac/drawingml/2011/main" xmlns="" val="1"/>
             </a:ext>
           </a:extLst>
         </p:spPr>
@@ -21773,14 +21777,14 @@
           </a:ln>
           <a:extLst>
             <a:ext uri="{909E8E84-426E-40dd-AFC4-6F175D3DCCD1}">
-              <a14:hiddenFill xmlns="" xmlns:a14="http://schemas.microsoft.com/office/drawing/2010/main">
+              <a14:hiddenFill xmlns:a14="http://schemas.microsoft.com/office/drawing/2010/main" xmlns="">
                 <a:solidFill>
                   <a:srgbClr val="FFFFFF"/>
                 </a:solidFill>
               </a14:hiddenFill>
             </a:ext>
             <a:ext uri="{91240B29-F687-4f45-9708-019B960494DF}">
-              <a14:hiddenLine xmlns="" xmlns:a14="http://schemas.microsoft.com/office/drawing/2010/main" w="9525">
+              <a14:hiddenLine xmlns:a14="http://schemas.microsoft.com/office/drawing/2010/main" xmlns="" w="9525">
                 <a:solidFill>
                   <a:srgbClr val="000000"/>
                 </a:solidFill>
@@ -21790,7 +21794,7 @@
               </a14:hiddenLine>
             </a:ext>
             <a:ext uri="{FAA26D3D-D897-4be2-8F04-BA451C77F1D7}">
-              <ma14:placeholderFlag xmlns="" xmlns:ma14="http://schemas.microsoft.com/office/mac/drawingml/2011/main" val="1"/>
+              <ma14:placeholderFlag xmlns:ma14="http://schemas.microsoft.com/office/mac/drawingml/2011/main" xmlns="" val="1"/>
             </a:ext>
           </a:extLst>
         </p:spPr>
@@ -22235,14 +22239,14 @@
           </a:ln>
           <a:extLst>
             <a:ext uri="{909E8E84-426E-40dd-AFC4-6F175D3DCCD1}">
-              <a14:hiddenFill xmlns="" xmlns:a14="http://schemas.microsoft.com/office/drawing/2010/main">
+              <a14:hiddenFill xmlns:a14="http://schemas.microsoft.com/office/drawing/2010/main" xmlns="">
                 <a:solidFill>
                   <a:srgbClr val="FFFFFF"/>
                 </a:solidFill>
               </a14:hiddenFill>
             </a:ext>
             <a:ext uri="{91240B29-F687-4f45-9708-019B960494DF}">
-              <a14:hiddenLine xmlns="" xmlns:a14="http://schemas.microsoft.com/office/drawing/2010/main" w="9525">
+              <a14:hiddenLine xmlns:a14="http://schemas.microsoft.com/office/drawing/2010/main" xmlns="" w="9525">
                 <a:solidFill>
                   <a:srgbClr val="000000"/>
                 </a:solidFill>
@@ -22252,7 +22256,7 @@
               </a14:hiddenLine>
             </a:ext>
             <a:ext uri="{FAA26D3D-D897-4be2-8F04-BA451C77F1D7}">
-              <ma14:placeholderFlag xmlns="" xmlns:ma14="http://schemas.microsoft.com/office/mac/drawingml/2011/main" val="1"/>
+              <ma14:placeholderFlag xmlns:ma14="http://schemas.microsoft.com/office/mac/drawingml/2011/main" xmlns="" val="1"/>
             </a:ext>
           </a:extLst>
         </p:spPr>
@@ -22297,14 +22301,14 @@
           </a:ln>
           <a:extLst>
             <a:ext uri="{909E8E84-426E-40dd-AFC4-6F175D3DCCD1}">
-              <a14:hiddenFill xmlns="" xmlns:a14="http://schemas.microsoft.com/office/drawing/2010/main">
+              <a14:hiddenFill xmlns:a14="http://schemas.microsoft.com/office/drawing/2010/main" xmlns="">
                 <a:solidFill>
                   <a:srgbClr val="FFFFFF"/>
                 </a:solidFill>
               </a14:hiddenFill>
             </a:ext>
             <a:ext uri="{91240B29-F687-4f45-9708-019B960494DF}">
-              <a14:hiddenLine xmlns="" xmlns:a14="http://schemas.microsoft.com/office/drawing/2010/main" w="9525">
+              <a14:hiddenLine xmlns:a14="http://schemas.microsoft.com/office/drawing/2010/main" xmlns="" w="9525">
                 <a:solidFill>
                   <a:srgbClr val="000000"/>
                 </a:solidFill>
@@ -22314,7 +22318,7 @@
               </a14:hiddenLine>
             </a:ext>
             <a:ext uri="{FAA26D3D-D897-4be2-8F04-BA451C77F1D7}">
-              <ma14:placeholderFlag xmlns="" xmlns:ma14="http://schemas.microsoft.com/office/mac/drawingml/2011/main" val="1"/>
+              <ma14:placeholderFlag xmlns:ma14="http://schemas.microsoft.com/office/mac/drawingml/2011/main" xmlns="" val="1"/>
             </a:ext>
           </a:extLst>
         </p:spPr>
@@ -22414,7 +22418,7 @@
               <a:pPr>
                 <a:defRPr/>
               </a:pPr>
-              <a:t>10/20/2018</a:t>
+              <a:t>11/8/2018</a:t>
             </a:fld>
             <a:endParaRPr lang="en-US" dirty="0"/>
           </a:p>
@@ -22977,7 +22981,7 @@
           <p:cNvPr id="2" name="Title 1">
             <a:extLst>
               <a:ext uri="{FF2B5EF4-FFF2-40B4-BE49-F238E27FC236}">
-                <a16:creationId xmlns="" xmlns:a16="http://schemas.microsoft.com/office/drawing/2014/main" id="{62976BD0-EC56-4413-B8C4-1C11F1896BE1}"/>
+                <a16:creationId xmlns:a16="http://schemas.microsoft.com/office/drawing/2014/main" xmlns="" id="{62976BD0-EC56-4413-B8C4-1C11F1896BE1}"/>
               </a:ext>
             </a:extLst>
           </p:cNvPr>
@@ -23006,7 +23010,7 @@
           <p:cNvPr id="3" name="Text Placeholder 2">
             <a:extLst>
               <a:ext uri="{FF2B5EF4-FFF2-40B4-BE49-F238E27FC236}">
-                <a16:creationId xmlns="" xmlns:a16="http://schemas.microsoft.com/office/drawing/2014/main" id="{871D1BD1-133A-4DB2-B4C8-1BE2E43306C4}"/>
+                <a16:creationId xmlns:a16="http://schemas.microsoft.com/office/drawing/2014/main" xmlns="" id="{871D1BD1-133A-4DB2-B4C8-1BE2E43306C4}"/>
               </a:ext>
             </a:extLst>
           </p:cNvPr>
@@ -23019,7 +23023,7 @@
         </p:nvSpPr>
         <p:spPr>
           <a:xfrm>
-            <a:off x="658196" y="1783405"/>
+            <a:off x="658196" y="1374102"/>
             <a:ext cx="10972800" cy="2870973"/>
           </a:xfrm>
         </p:spPr>
@@ -23031,88 +23035,88 @@
           <a:p>
             <a:pPr algn="ctr"/>
             <a:r>
-              <a:rPr lang="en-US" sz="3200" dirty="0" smtClean="0"/>
-              <a:t>Build an intraday, near </a:t>
-            </a:r>
-            <a:r>
-              <a:rPr lang="en-US" sz="3200" i="1" dirty="0" smtClean="0"/>
-              <a:t>real-time,</a:t>
-            </a:r>
-            <a:r>
-              <a:rPr lang="en-US" sz="3200" dirty="0" smtClean="0"/>
-              <a:t> </a:t>
-            </a:r>
-            <a:r>
-              <a:rPr lang="en-US" sz="3200" dirty="0">
+              <a:rPr lang="en-US" sz="2800" dirty="0"/>
+              <a:t>Calculating </a:t>
+            </a:r>
+            <a:r>
+              <a:rPr lang="en-US" sz="2800" dirty="0">
                 <a:solidFill>
                   <a:schemeClr val="accent2">
                     <a:lumMod val="75000"/>
                   </a:schemeClr>
                 </a:solidFill>
               </a:rPr>
-              <a:t>Daily</a:t>
-            </a:r>
-            <a:r>
-              <a:rPr lang="en-US" sz="3200" dirty="0"/>
-              <a:t> </a:t>
-            </a:r>
-            <a:r>
-              <a:rPr lang="en-US" sz="3200" dirty="0" smtClean="0"/>
-              <a:t>Profit/Loss </a:t>
-            </a:r>
-            <a:r>
-              <a:rPr lang="en-US" sz="3200" dirty="0" smtClean="0">
+              <a:t>daily Profit &amp; Loss (‘PnL’) of portfolio of stocks </a:t>
+            </a:r>
+            <a:r>
+              <a:rPr lang="en-US" sz="2800" dirty="0"/>
+              <a:t>is a key part amongst many processes that are typical for our clients</a:t>
+            </a:r>
+            <a:r>
+              <a:rPr lang="en-US" sz="2800" dirty="0" smtClean="0"/>
+              <a:t>.</a:t>
+            </a:r>
+          </a:p>
+          <a:p>
+            <a:pPr algn="ctr"/>
+            <a:endParaRPr lang="en-US" sz="2800" dirty="0"/>
+          </a:p>
+          <a:p>
+            <a:pPr algn="ctr"/>
+            <a:r>
+              <a:rPr lang="en-US" sz="2800" dirty="0"/>
+              <a:t>We want you to build an intra-day Profit/Loss </a:t>
+            </a:r>
+            <a:r>
+              <a:rPr lang="en-US" sz="2800" dirty="0">
                 <a:solidFill>
                   <a:schemeClr val="accent2">
                     <a:lumMod val="75000"/>
                   </a:schemeClr>
                 </a:solidFill>
               </a:rPr>
-              <a:t>‘PnL’ aggregation module </a:t>
-            </a:r>
-            <a:r>
-              <a:rPr lang="en-US" sz="3200" dirty="0" smtClean="0"/>
-              <a:t>as a </a:t>
-            </a:r>
-            <a:r>
-              <a:rPr lang="en-US" sz="3200" dirty="0" smtClean="0">
+              <a:t>‘PnL’ calculation and aggregation (group of stocks) module as a standalone component </a:t>
+            </a:r>
+            <a:r>
+              <a:rPr lang="en-US" sz="2800" dirty="0"/>
+              <a:t>for a hypothetical Global Equities (Stocks) Desk.</a:t>
+            </a:r>
+          </a:p>
+          <a:p>
+            <a:pPr algn="ctr"/>
+            <a:endParaRPr lang="en-US" sz="2800" dirty="0" smtClean="0"/>
+          </a:p>
+          <a:p>
+            <a:pPr algn="ctr"/>
+            <a:r>
+              <a:rPr lang="en-US" sz="2800" dirty="0">
                 <a:solidFill>
                   <a:schemeClr val="accent2">
                     <a:lumMod val="75000"/>
                   </a:schemeClr>
                 </a:solidFill>
               </a:rPr>
-              <a:t>standalone</a:t>
-            </a:r>
-            <a:r>
-              <a:rPr lang="en-US" sz="3200" dirty="0" smtClean="0"/>
-              <a:t> component for </a:t>
-            </a:r>
-            <a:r>
-              <a:rPr lang="en-US" sz="3200" dirty="0" smtClean="0">
+              <a:t>The </a:t>
+            </a:r>
+            <a:r>
+              <a:rPr lang="en-US" sz="2800" dirty="0">
                 <a:solidFill>
                   <a:schemeClr val="accent2">
                     <a:lumMod val="75000"/>
                   </a:schemeClr>
                 </a:solidFill>
               </a:rPr>
-              <a:t>Global Equities </a:t>
-            </a:r>
-            <a:r>
-              <a:rPr lang="en-US" sz="3200" dirty="0" smtClean="0"/>
-              <a:t>Desk.</a:t>
-            </a:r>
-          </a:p>
-          <a:p>
-            <a:pPr algn="ctr"/>
-            <a:endParaRPr lang="en-US" sz="3200" dirty="0"/>
-          </a:p>
-          <a:p>
-            <a:pPr algn="ctr"/>
-            <a:r>
-              <a:rPr lang="en-US" sz="3200" dirty="0" smtClean="0"/>
-              <a:t>Allows for easier access to multi-geographic, multi-sector portfolio aggregation with flexible handler to support real time changes to market values.</a:t>
-            </a:r>
+              <a:t>component should provide summarization of profit (or loss) across multiple groupings of stocks </a:t>
+            </a:r>
+            <a:r>
+              <a:rPr lang="en-US" sz="2800" dirty="0"/>
+              <a:t>when market values (stock prices) change</a:t>
+            </a:r>
+            <a:r>
+              <a:rPr lang="en-US" sz="2800" dirty="0" smtClean="0"/>
+              <a:t>.</a:t>
+            </a:r>
+            <a:endParaRPr lang="en-US" sz="2800" dirty="0"/>
           </a:p>
         </p:txBody>
       </p:sp>
@@ -23158,7 +23162,7 @@
           <p:cNvPr id="2" name="Title 1">
             <a:extLst>
               <a:ext uri="{FF2B5EF4-FFF2-40B4-BE49-F238E27FC236}">
-                <a16:creationId xmlns="" xmlns:a16="http://schemas.microsoft.com/office/drawing/2014/main" id="{62976BD0-EC56-4413-B8C4-1C11F1896BE1}"/>
+                <a16:creationId xmlns:a16="http://schemas.microsoft.com/office/drawing/2014/main" xmlns="" id="{62976BD0-EC56-4413-B8C4-1C11F1896BE1}"/>
               </a:ext>
             </a:extLst>
           </p:cNvPr>
@@ -24726,7 +24730,7 @@
           <p:cNvPr id="2" name="Title 1">
             <a:extLst>
               <a:ext uri="{FF2B5EF4-FFF2-40B4-BE49-F238E27FC236}">
-                <a16:creationId xmlns="" xmlns:a16="http://schemas.microsoft.com/office/drawing/2014/main" id="{62976BD0-EC56-4413-B8C4-1C11F1896BE1}"/>
+                <a16:creationId xmlns:a16="http://schemas.microsoft.com/office/drawing/2014/main" xmlns="" id="{62976BD0-EC56-4413-B8C4-1C11F1896BE1}"/>
               </a:ext>
             </a:extLst>
           </p:cNvPr>
@@ -24755,7 +24759,7 @@
           <p:cNvPr id="3" name="Text Placeholder 2">
             <a:extLst>
               <a:ext uri="{FF2B5EF4-FFF2-40B4-BE49-F238E27FC236}">
-                <a16:creationId xmlns="" xmlns:a16="http://schemas.microsoft.com/office/drawing/2014/main" id="{871D1BD1-133A-4DB2-B4C8-1BE2E43306C4}"/>
+                <a16:creationId xmlns:a16="http://schemas.microsoft.com/office/drawing/2014/main" xmlns="" id="{871D1BD1-133A-4DB2-B4C8-1BE2E43306C4}"/>
               </a:ext>
             </a:extLst>
           </p:cNvPr>
@@ -24784,17 +24788,11 @@
             </a:r>
             <a:r>
               <a:rPr lang="en-US" sz="2000" dirty="0" smtClean="0"/>
-              <a:t>Ingest ‘Bootstrap’ holdings data from End of the Previous Day			</a:t>
-            </a:r>
-            <a:r>
-              <a:rPr lang="en-US" sz="2000" dirty="0" smtClean="0">
-                <a:solidFill>
-                  <a:schemeClr val="accent1">
-                    <a:lumMod val="75000"/>
-                  </a:schemeClr>
-                </a:solidFill>
-              </a:rPr>
-              <a:t>(50 points)</a:t>
+              <a:t>Ingest ‘Bootstrap’ holdings data from End of the Previous </a:t>
+            </a:r>
+            <a:r>
+              <a:rPr lang="en-US" sz="2000" dirty="0" smtClean="0"/>
+              <a:t>Day</a:t>
             </a:r>
           </a:p>
           <a:p>
@@ -24807,18 +24805,9 @@
             </a:r>
             <a:r>
               <a:rPr lang="en-US" sz="2000" dirty="0" smtClean="0"/>
-              <a:t>Ingest real-time changes to stock prices ‘intra-day’ by processing mini-batch of files as they appear in a folder																	</a:t>
-            </a:r>
-            <a:r>
-              <a:rPr lang="en-US" sz="2000" dirty="0" smtClean="0">
-                <a:solidFill>
-                  <a:schemeClr val="accent1">
-                    <a:lumMod val="75000"/>
-                  </a:schemeClr>
-                </a:solidFill>
-              </a:rPr>
-              <a:t>(150 points)</a:t>
-            </a:r>
+              <a:t>Ingest real-time changes to stock prices ‘intra-day’ by processing mini-batch of files as they appear in a folder																</a:t>
+            </a:r>
+            <a:endParaRPr lang="en-US" sz="2000" dirty="0" smtClean="0"/>
           </a:p>
           <a:p>
             <a:endParaRPr lang="en-US" sz="2000" dirty="0"/>
@@ -24862,15 +24851,21 @@
             </a:r>
             <a:r>
               <a:rPr lang="en-US" sz="2000" dirty="0" smtClean="0"/>
-              <a:t>through an interactive command or visual interface, without restarting the file processing. </a:t>
-            </a:r>
-            <a:r>
-              <a:rPr lang="en-US" sz="2000" dirty="0"/>
-              <a:t>E</a:t>
+              <a:t>through an interactive command or visual interface, without restarting the file </a:t>
             </a:r>
             <a:r>
               <a:rPr lang="en-US" sz="2000" dirty="0" smtClean="0"/>
-              <a:t>xamples, but not limited to:</a:t>
+              <a:t>processing that might happen in the background. </a:t>
+            </a:r>
+          </a:p>
+          <a:p>
+            <a:r>
+              <a:rPr lang="en-US" sz="2000" dirty="0" smtClean="0"/>
+              <a:t>Example of tests, </a:t>
+            </a:r>
+            <a:r>
+              <a:rPr lang="en-US" sz="2000" dirty="0" smtClean="0"/>
+              <a:t>but not limited to:</a:t>
             </a:r>
           </a:p>
           <a:p>
@@ -24882,67 +24877,32 @@
               <a:rPr lang="en-US" sz="2000" dirty="0" smtClean="0"/>
               <a:t>														</a:t>
             </a:r>
-            <a:r>
-              <a:rPr lang="en-US" sz="2000" dirty="0" smtClean="0">
-                <a:solidFill>
-                  <a:schemeClr val="accent1">
-                    <a:lumMod val="75000"/>
-                  </a:schemeClr>
+            <a:endParaRPr lang="en-US" sz="2000" dirty="0" smtClean="0"/>
+          </a:p>
+          <a:p>
+            <a:r>
+              <a:rPr lang="en-US" sz="1400" i="1" dirty="0" err="1" smtClean="0">
+                <a:solidFill>
+                  <a:srgbClr val="0070C0"/>
                 </a:solidFill>
               </a:rPr>
-              <a:t>(150 points) – Calc / Command line</a:t>
-            </a:r>
-          </a:p>
-          <a:p>
-            <a:r>
-              <a:rPr lang="en-US" sz="2000" dirty="0">
-                <a:solidFill>
-                  <a:schemeClr val="accent1">
-                    <a:lumMod val="75000"/>
-                  </a:schemeClr>
+              <a:t>showPnL</a:t>
+            </a:r>
+            <a:r>
+              <a:rPr lang="en-US" sz="1400" i="1" dirty="0" smtClean="0">
+                <a:solidFill>
+                  <a:srgbClr val="0070C0"/>
                 </a:solidFill>
               </a:rPr>
-              <a:t>	</a:t>
-            </a:r>
-            <a:r>
-              <a:rPr lang="en-US" sz="2000" dirty="0" smtClean="0">
-                <a:solidFill>
-                  <a:schemeClr val="accent1">
-                    <a:lumMod val="75000"/>
-                  </a:schemeClr>
+              <a:t> </a:t>
+            </a:r>
+            <a:r>
+              <a:rPr lang="en-US" sz="1400" i="1" dirty="0" smtClean="0">
+                <a:solidFill>
+                  <a:srgbClr val="0070C0"/>
                 </a:solidFill>
               </a:rPr>
-              <a:t>														(150 </a:t>
-            </a:r>
-            <a:r>
-              <a:rPr lang="en-US" sz="2000" dirty="0">
-                <a:solidFill>
-                  <a:schemeClr val="accent1">
-                    <a:lumMod val="75000"/>
-                  </a:schemeClr>
-                </a:solidFill>
-              </a:rPr>
-              <a:t>points</a:t>
-            </a:r>
-            <a:r>
-              <a:rPr lang="en-US" sz="2000" dirty="0" smtClean="0">
-                <a:solidFill>
-                  <a:schemeClr val="accent1">
-                    <a:lumMod val="75000"/>
-                  </a:schemeClr>
-                </a:solidFill>
-              </a:rPr>
-              <a:t>) – Visual and/or Time-sliced</a:t>
-            </a:r>
-          </a:p>
-          <a:p>
-            <a:r>
-              <a:rPr lang="en-US" sz="1400" i="1" dirty="0" smtClean="0">
-                <a:solidFill>
-                  <a:srgbClr val="0070C0"/>
-                </a:solidFill>
-              </a:rPr>
-              <a:t>showPnL /global															</a:t>
+              <a:t>/global															</a:t>
             </a:r>
           </a:p>
           <a:p>
@@ -25125,7 +25085,7 @@
           <p:cNvPr id="2" name="Title 1">
             <a:extLst>
               <a:ext uri="{FF2B5EF4-FFF2-40B4-BE49-F238E27FC236}">
-                <a16:creationId xmlns="" xmlns:a16="http://schemas.microsoft.com/office/drawing/2014/main" id="{62976BD0-EC56-4413-B8C4-1C11F1896BE1}"/>
+                <a16:creationId xmlns:a16="http://schemas.microsoft.com/office/drawing/2014/main" xmlns="" id="{62976BD0-EC56-4413-B8C4-1C11F1896BE1}"/>
               </a:ext>
             </a:extLst>
           </p:cNvPr>
@@ -25143,7 +25103,15 @@
           <a:p>
             <a:r>
               <a:rPr lang="en-US" dirty="0" smtClean="0"/>
-              <a:t>Utilities, Helper Classes &amp; Solution Assumptions</a:t>
+              <a:t>Utilities and </a:t>
+            </a:r>
+            <a:r>
+              <a:rPr lang="en-US" dirty="0" smtClean="0"/>
+              <a:t>Helper </a:t>
+            </a:r>
+            <a:r>
+              <a:rPr lang="en-US" dirty="0" smtClean="0"/>
+              <a:t>Classes</a:t>
             </a:r>
             <a:endParaRPr lang="en-US" dirty="0"/>
           </a:p>
@@ -25154,7 +25122,7 @@
           <p:cNvPr id="3" name="Text Placeholder 2">
             <a:extLst>
               <a:ext uri="{FF2B5EF4-FFF2-40B4-BE49-F238E27FC236}">
-                <a16:creationId xmlns="" xmlns:a16="http://schemas.microsoft.com/office/drawing/2014/main" id="{871D1BD1-133A-4DB2-B4C8-1BE2E43306C4}"/>
+                <a16:creationId xmlns:a16="http://schemas.microsoft.com/office/drawing/2014/main" xmlns="" id="{871D1BD1-133A-4DB2-B4C8-1BE2E43306C4}"/>
               </a:ext>
             </a:extLst>
           </p:cNvPr>
@@ -25173,7 +25141,7 @@
         </p:spPr>
         <p:txBody>
           <a:bodyPr>
-            <a:normAutofit fontScale="77500" lnSpcReduction="20000"/>
+            <a:normAutofit/>
           </a:bodyPr>
           <a:lstStyle/>
           <a:p>
@@ -25181,11 +25149,11 @@
               <a:buAutoNum type="arabicPeriod"/>
             </a:pPr>
             <a:r>
-              <a:rPr lang="en-US" b="1" dirty="0" smtClean="0"/>
+              <a:rPr lang="en-US" sz="2000" b="1" dirty="0" smtClean="0"/>
               <a:t>File Handler Helper </a:t>
             </a:r>
             <a:r>
-              <a:rPr lang="en-US" dirty="0" smtClean="0"/>
+              <a:rPr lang="en-US" sz="2000" dirty="0" smtClean="0"/>
               <a:t>– A file handler class will be provided that parses bootstrap and any ‘real-time’ files into a structured value object(s). It is candidate’s responsibility to leverage this code in any way helpful to incorporate into his/her main module(s). Candidate can build a better one his/her own for additional credits.</a:t>
             </a:r>
           </a:p>
@@ -25193,46 +25161,46 @@
             <a:pPr marL="342900" indent="-342900">
               <a:buAutoNum type="arabicPeriod"/>
             </a:pPr>
-            <a:endParaRPr lang="en-US" dirty="0"/>
+            <a:endParaRPr lang="en-US" sz="2000" dirty="0"/>
           </a:p>
           <a:p>
             <a:pPr marL="342900" indent="-342900">
               <a:buAutoNum type="arabicPeriod"/>
             </a:pPr>
             <a:r>
-              <a:rPr lang="en-US" b="1" dirty="0" smtClean="0"/>
+              <a:rPr lang="en-US" sz="2000" b="1" dirty="0" smtClean="0"/>
               <a:t>A graphing utility </a:t>
             </a:r>
             <a:r>
-              <a:rPr lang="en-US" dirty="0" smtClean="0"/>
+              <a:rPr lang="en-US" sz="2000" dirty="0" smtClean="0"/>
               <a:t>– A graphing utility code will be provided to show any time-series data visually. It is candidate’s responsibility to leverage this code in any way helpful to incorporate into his/her module(s</a:t>
             </a:r>
             <a:r>
-              <a:rPr lang="en-US" dirty="0"/>
+              <a:rPr lang="en-US" sz="2000" dirty="0"/>
               <a:t>). Candidate can build a better </a:t>
             </a:r>
             <a:r>
-              <a:rPr lang="en-US" dirty="0" smtClean="0"/>
+              <a:rPr lang="en-US" sz="2000" dirty="0" smtClean="0"/>
               <a:t>one on </a:t>
             </a:r>
             <a:r>
-              <a:rPr lang="en-US" dirty="0"/>
+              <a:rPr lang="en-US" sz="2000" dirty="0"/>
               <a:t>his/her own for additional credits</a:t>
             </a:r>
             <a:r>
-              <a:rPr lang="en-US" dirty="0" smtClean="0"/>
+              <a:rPr lang="en-US" sz="2000" dirty="0" smtClean="0"/>
               <a:t>. </a:t>
             </a:r>
             <a:r>
-              <a:rPr lang="en-US" u="sng" dirty="0" smtClean="0"/>
+              <a:rPr lang="en-US" sz="2000" u="sng" dirty="0" smtClean="0"/>
               <a:t>Example: </a:t>
             </a:r>
             <a:r>
-              <a:rPr lang="en-US" dirty="0"/>
+              <a:rPr lang="en-US" sz="2000" dirty="0"/>
               <a:t>T</a:t>
             </a:r>
             <a:r>
-              <a:rPr lang="en-US" dirty="0" smtClean="0"/>
+              <a:rPr lang="en-US" sz="2000" dirty="0" smtClean="0"/>
               <a:t>his utility shows a line chart with X-axis (time in 1 hour increments), Y-Axis (Price, PnL, etc.,).</a:t>
             </a:r>
           </a:p>
@@ -25240,7 +25208,7 @@
             <a:pPr marL="342900" indent="-342900">
               <a:buAutoNum type="arabicPeriod"/>
             </a:pPr>
-            <a:endParaRPr lang="en-US" dirty="0"/>
+            <a:endParaRPr lang="en-US" sz="2000" dirty="0"/>
           </a:p>
           <a:p>
             <a:pPr marL="342900" indent="-342900">
@@ -25248,188 +25216,26 @@
               <a:buAutoNum type="arabicPeriod"/>
             </a:pPr>
             <a:r>
-              <a:rPr lang="en-US" b="1" dirty="0" smtClean="0"/>
+              <a:rPr lang="en-US" sz="2000" b="1" dirty="0" smtClean="0"/>
               <a:t>FX conversion utility </a:t>
             </a:r>
             <a:r>
-              <a:rPr lang="en-US" dirty="0" smtClean="0"/>
+              <a:rPr lang="en-US" sz="2000" dirty="0" smtClean="0"/>
               <a:t>– A static FX conversion utility code will be provided to convert prices or any derived values from one currency to another currency. </a:t>
             </a:r>
             <a:r>
-              <a:rPr lang="en-US" dirty="0"/>
+              <a:rPr lang="en-US" sz="2000" dirty="0"/>
               <a:t>It is candidate’s responsibility to leverage this code in any way helpful to incorporate into his/her module(s</a:t>
             </a:r>
             <a:r>
-              <a:rPr lang="en-US" dirty="0" smtClean="0"/>
-              <a:t>). No additional credits for building his/her own as this is a simple static conversion utility.</a:t>
-            </a:r>
-            <a:endParaRPr lang="en-US" dirty="0"/>
-          </a:p>
-          <a:p>
-            <a:r>
-              <a:rPr lang="en-US" sz="1400" u="sng" dirty="0" smtClean="0">
-                <a:solidFill>
-                  <a:schemeClr val="accent1">
-                    <a:lumMod val="75000"/>
-                  </a:schemeClr>
-                </a:solidFill>
-              </a:rPr>
-              <a:t>Solution Assumptions:</a:t>
-            </a:r>
-          </a:p>
-          <a:p>
-            <a:pPr marL="342900" indent="-342900">
-              <a:buAutoNum type="alphaLcParenR"/>
-            </a:pPr>
-            <a:r>
-              <a:rPr lang="en-US" sz="1400" dirty="0" smtClean="0">
-                <a:solidFill>
-                  <a:srgbClr val="0070C0"/>
-                </a:solidFill>
-              </a:rPr>
-              <a:t>Stock holding amounts do not change from the previous day. If Holding amount is provided in the file, it can be ignored or processed, no changes to holding amounts</a:t>
-            </a:r>
-          </a:p>
-          <a:p>
-            <a:pPr marL="342900" indent="-342900">
-              <a:buAutoNum type="alphaLcParenR"/>
-            </a:pPr>
-            <a:r>
-              <a:rPr lang="en-US" sz="1400" dirty="0" smtClean="0">
-                <a:solidFill>
-                  <a:srgbClr val="0070C0"/>
-                </a:solidFill>
-              </a:rPr>
-              <a:t>Prices may not change at all during the day for a given set of stocks</a:t>
-            </a:r>
-          </a:p>
-          <a:p>
-            <a:pPr marL="342900" indent="-342900">
-              <a:buAutoNum type="alphaLcParenR"/>
-            </a:pPr>
-            <a:r>
-              <a:rPr lang="en-US" sz="1400" dirty="0" smtClean="0">
-                <a:solidFill>
-                  <a:srgbClr val="0070C0"/>
-                </a:solidFill>
-              </a:rPr>
-              <a:t>Prices will not be negative or zero</a:t>
-            </a:r>
-          </a:p>
-          <a:p>
-            <a:pPr marL="342900" indent="-342900">
-              <a:buAutoNum type="alphaLcParenR"/>
-            </a:pPr>
-            <a:r>
-              <a:rPr lang="en-US" sz="1400" dirty="0" smtClean="0">
-                <a:solidFill>
-                  <a:srgbClr val="0070C0"/>
-                </a:solidFill>
-              </a:rPr>
-              <a:t>No new stocks (or holdings) would be added or removed to the portfolio during the day</a:t>
-            </a:r>
-          </a:p>
-          <a:p>
-            <a:pPr marL="342900" indent="-342900">
-              <a:buAutoNum type="alphaLcParenR"/>
-            </a:pPr>
-            <a:r>
-              <a:rPr lang="en-US" sz="1400" dirty="0" smtClean="0">
-                <a:solidFill>
-                  <a:srgbClr val="0070C0"/>
-                </a:solidFill>
-              </a:rPr>
-              <a:t>Regions and Sectors are static</a:t>
-            </a:r>
-          </a:p>
-          <a:p>
-            <a:pPr marL="342900" indent="-342900">
-              <a:buAutoNum type="alphaLcParenR"/>
-            </a:pPr>
-            <a:r>
-              <a:rPr lang="en-US" sz="1400" dirty="0" smtClean="0">
-                <a:solidFill>
-                  <a:srgbClr val="0070C0"/>
-                </a:solidFill>
-              </a:rPr>
-              <a:t>A new file or multiple files might be dropped into a ‘landing folder’ and should be immediately processed and PnL should be reflected</a:t>
-            </a:r>
-          </a:p>
-          <a:p>
-            <a:pPr marL="342900" indent="-342900">
-              <a:buAutoNum type="alphaLcParenR"/>
-            </a:pPr>
-            <a:r>
-              <a:rPr lang="en-US" sz="1400" dirty="0" smtClean="0">
-                <a:solidFill>
-                  <a:srgbClr val="0070C0"/>
-                </a:solidFill>
-              </a:rPr>
-              <a:t>All times quoted are in EST (Single time-zone throughout the data sets)</a:t>
-            </a:r>
-          </a:p>
-          <a:p>
-            <a:pPr marL="342900" indent="-342900">
-              <a:buAutoNum type="alphaLcParenR"/>
-            </a:pPr>
-            <a:r>
-              <a:rPr lang="en-US" sz="1400" dirty="0" smtClean="0">
-                <a:solidFill>
-                  <a:srgbClr val="0070C0"/>
-                </a:solidFill>
-              </a:rPr>
-              <a:t>Files are provided in 1 hour increments and snapshotted respectively (no other intermediary time periods will be posted) – Only following could be posted (</a:t>
-            </a:r>
-            <a:r>
-              <a:rPr lang="en-US" sz="1400" dirty="0" smtClean="0">
-                <a:solidFill>
-                  <a:srgbClr val="C00000"/>
-                </a:solidFill>
-              </a:rPr>
-              <a:t>PREV_DAY, 7AM, 8AM, 9AM, 10AM, 11AM, 12PM, 1PM, 2PM, 3PM, 4PM, 5PM, 6PM</a:t>
-            </a:r>
-            <a:r>
-              <a:rPr lang="en-US" sz="1400" smtClean="0">
-                <a:solidFill>
-                  <a:srgbClr val="C00000"/>
-                </a:solidFill>
-              </a:rPr>
-              <a:t>, 7PM</a:t>
-            </a:r>
-            <a:r>
-              <a:rPr lang="en-US" sz="1400" dirty="0" smtClean="0">
-                <a:solidFill>
-                  <a:srgbClr val="0070C0"/>
-                </a:solidFill>
-              </a:rPr>
-              <a:t>)</a:t>
-            </a:r>
-          </a:p>
-          <a:p>
-            <a:pPr marL="342900" indent="-342900">
-              <a:buAutoNum type="alphaLcParenR"/>
-            </a:pPr>
-            <a:r>
-              <a:rPr lang="en-US" sz="1400" dirty="0" smtClean="0">
-                <a:solidFill>
-                  <a:srgbClr val="0070C0"/>
-                </a:solidFill>
-              </a:rPr>
-              <a:t>Files will be sequenced for ease of use but candidate can manually drop files in a sequence if needed (No penalties for manually dropping the files in the drop zone) during the Demo(s)</a:t>
-            </a:r>
-          </a:p>
-          <a:p>
-            <a:pPr marL="342900" indent="-342900">
-              <a:buAutoNum type="alphaLcParenR"/>
-            </a:pPr>
-            <a:r>
-              <a:rPr lang="en-US" sz="1400" dirty="0" smtClean="0">
-                <a:solidFill>
-                  <a:srgbClr val="0070C0"/>
-                </a:solidFill>
-              </a:rPr>
-              <a:t>No persistent data store is expected, module needs to be able to restart from “Start of the Day” if required by terminating all the appropriate daemons and restarting in necessary sequence</a:t>
-            </a:r>
+              <a:rPr lang="en-US" sz="2000" dirty="0" smtClean="0"/>
+              <a:t>). No additional credits for building his/her own as this is a simple static conversion utility</a:t>
+            </a:r>
+            <a:r>
+              <a:rPr lang="en-US" sz="2000" dirty="0" smtClean="0"/>
+              <a:t>.</a:t>
+            </a:r>
+            <a:endParaRPr lang="en-US" sz="2000" dirty="0"/>
           </a:p>
         </p:txBody>
       </p:sp>
@@ -25475,7 +25281,601 @@
           <p:cNvPr id="2" name="Title 1">
             <a:extLst>
               <a:ext uri="{FF2B5EF4-FFF2-40B4-BE49-F238E27FC236}">
-                <a16:creationId xmlns="" xmlns:a16="http://schemas.microsoft.com/office/drawing/2014/main" id="{62976BD0-EC56-4413-B8C4-1C11F1896BE1}"/>
+                <a16:creationId xmlns:a16="http://schemas.microsoft.com/office/drawing/2014/main" xmlns="" id="{62976BD0-EC56-4413-B8C4-1C11F1896BE1}"/>
+              </a:ext>
+            </a:extLst>
+          </p:cNvPr>
+          <p:cNvSpPr>
+            <a:spLocks noGrp="1"/>
+          </p:cNvSpPr>
+          <p:nvPr>
+            <p:ph type="title"/>
+          </p:nvPr>
+        </p:nvSpPr>
+        <p:spPr/>
+        <p:txBody>
+          <a:bodyPr/>
+          <a:lstStyle/>
+          <a:p>
+            <a:r>
+              <a:rPr lang="en-US" dirty="0" smtClean="0"/>
+              <a:t>Solution </a:t>
+            </a:r>
+            <a:r>
+              <a:rPr lang="en-US" dirty="0" smtClean="0"/>
+              <a:t>Assumptions</a:t>
+            </a:r>
+            <a:endParaRPr lang="en-US" dirty="0"/>
+          </a:p>
+        </p:txBody>
+      </p:sp>
+      <p:sp>
+        <p:nvSpPr>
+          <p:cNvPr id="3" name="Text Placeholder 2">
+            <a:extLst>
+              <a:ext uri="{FF2B5EF4-FFF2-40B4-BE49-F238E27FC236}">
+                <a16:creationId xmlns:a16="http://schemas.microsoft.com/office/drawing/2014/main" xmlns="" id="{871D1BD1-133A-4DB2-B4C8-1BE2E43306C4}"/>
+              </a:ext>
+            </a:extLst>
+          </p:cNvPr>
+          <p:cNvSpPr>
+            <a:spLocks noGrp="1"/>
+          </p:cNvSpPr>
+          <p:nvPr>
+            <p:ph type="body" sz="quarter" idx="10"/>
+          </p:nvPr>
+        </p:nvSpPr>
+        <p:spPr>
+          <a:xfrm>
+            <a:off x="658196" y="1068977"/>
+            <a:ext cx="10972800" cy="5185805"/>
+          </a:xfrm>
+        </p:spPr>
+        <p:txBody>
+          <a:bodyPr>
+            <a:normAutofit/>
+          </a:bodyPr>
+          <a:lstStyle/>
+          <a:p>
+            <a:pPr marL="342900" indent="-342900">
+              <a:buAutoNum type="alphaLcParenR"/>
+            </a:pPr>
+            <a:r>
+              <a:rPr lang="en-US" sz="1400" dirty="0" smtClean="0">
+                <a:solidFill>
+                  <a:srgbClr val="0070C0"/>
+                </a:solidFill>
+              </a:rPr>
+              <a:t>This component </a:t>
+            </a:r>
+            <a:r>
+              <a:rPr lang="en-US" sz="1400" dirty="0" smtClean="0">
+                <a:solidFill>
+                  <a:srgbClr val="0070C0"/>
+                </a:solidFill>
+              </a:rPr>
+              <a:t>needs to be a Core Java </a:t>
+            </a:r>
+            <a:r>
+              <a:rPr lang="en-US" sz="1400" dirty="0" smtClean="0">
+                <a:solidFill>
+                  <a:srgbClr val="0070C0"/>
+                </a:solidFill>
+              </a:rPr>
+              <a:t>application/solution that handles simultaneous (non-blocking) loading of files based on availability and showing visually through interactive commands latest Profit/Loss of the Portfolio at various regions</a:t>
+            </a:r>
+          </a:p>
+          <a:p>
+            <a:pPr marL="342900" indent="-342900">
+              <a:buAutoNum type="alphaLcParenR"/>
+            </a:pPr>
+            <a:r>
+              <a:rPr lang="en-US" sz="1400" dirty="0" smtClean="0">
+                <a:solidFill>
+                  <a:srgbClr val="0070C0"/>
+                </a:solidFill>
+              </a:rPr>
+              <a:t>Stock </a:t>
+            </a:r>
+            <a:r>
+              <a:rPr lang="en-US" sz="1400" dirty="0" smtClean="0">
+                <a:solidFill>
+                  <a:srgbClr val="0070C0"/>
+                </a:solidFill>
+              </a:rPr>
+              <a:t>holding amounts do not change from the previous day. If Holding amount is provided in the file, it can be ignored or processed, no changes to holding amounts</a:t>
+            </a:r>
+          </a:p>
+          <a:p>
+            <a:pPr marL="342900" indent="-342900">
+              <a:buAutoNum type="alphaLcParenR"/>
+            </a:pPr>
+            <a:r>
+              <a:rPr lang="en-US" sz="1400" dirty="0" smtClean="0">
+                <a:solidFill>
+                  <a:srgbClr val="0070C0"/>
+                </a:solidFill>
+              </a:rPr>
+              <a:t>Prices may not change at all during the day for a given set of stocks</a:t>
+            </a:r>
+          </a:p>
+          <a:p>
+            <a:pPr marL="342900" indent="-342900">
+              <a:buAutoNum type="alphaLcParenR"/>
+            </a:pPr>
+            <a:r>
+              <a:rPr lang="en-US" sz="1400" dirty="0" smtClean="0">
+                <a:solidFill>
+                  <a:srgbClr val="0070C0"/>
+                </a:solidFill>
+              </a:rPr>
+              <a:t>Prices will not be negative or zero</a:t>
+            </a:r>
+          </a:p>
+          <a:p>
+            <a:pPr marL="342900" indent="-342900">
+              <a:buAutoNum type="alphaLcParenR"/>
+            </a:pPr>
+            <a:r>
+              <a:rPr lang="en-US" sz="1400" dirty="0" smtClean="0">
+                <a:solidFill>
+                  <a:srgbClr val="0070C0"/>
+                </a:solidFill>
+              </a:rPr>
+              <a:t>No new stocks (or holdings) would be added or removed to the portfolio during the day</a:t>
+            </a:r>
+          </a:p>
+          <a:p>
+            <a:pPr marL="342900" indent="-342900">
+              <a:buAutoNum type="alphaLcParenR"/>
+            </a:pPr>
+            <a:r>
+              <a:rPr lang="en-US" sz="1400" dirty="0" smtClean="0">
+                <a:solidFill>
+                  <a:srgbClr val="0070C0"/>
+                </a:solidFill>
+              </a:rPr>
+              <a:t>Regions and Sectors are static</a:t>
+            </a:r>
+          </a:p>
+          <a:p>
+            <a:pPr marL="342900" indent="-342900">
+              <a:buAutoNum type="alphaLcParenR"/>
+            </a:pPr>
+            <a:r>
+              <a:rPr lang="en-US" sz="1400" dirty="0" smtClean="0">
+                <a:solidFill>
+                  <a:srgbClr val="0070C0"/>
+                </a:solidFill>
+              </a:rPr>
+              <a:t>A new file or multiple files might be dropped into a ‘landing folder’ and should be immediately processed and PnL should be reflected</a:t>
+            </a:r>
+          </a:p>
+          <a:p>
+            <a:pPr marL="342900" indent="-342900">
+              <a:buAutoNum type="alphaLcParenR"/>
+            </a:pPr>
+            <a:r>
+              <a:rPr lang="en-US" sz="1400" dirty="0" smtClean="0">
+                <a:solidFill>
+                  <a:srgbClr val="0070C0"/>
+                </a:solidFill>
+              </a:rPr>
+              <a:t>All times quoted are in EST (Single time-zone throughout the data sets)</a:t>
+            </a:r>
+          </a:p>
+          <a:p>
+            <a:pPr marL="342900" indent="-342900">
+              <a:buAutoNum type="alphaLcParenR"/>
+            </a:pPr>
+            <a:r>
+              <a:rPr lang="en-US" sz="1400" dirty="0" smtClean="0">
+                <a:solidFill>
+                  <a:srgbClr val="0070C0"/>
+                </a:solidFill>
+              </a:rPr>
+              <a:t>Files are provided in 1 hour increments and snapshotted respectively (no other intermediary time periods will be posted) – Only following could be posted (</a:t>
+            </a:r>
+            <a:r>
+              <a:rPr lang="en-US" sz="1400" dirty="0" smtClean="0">
+                <a:solidFill>
+                  <a:srgbClr val="C00000"/>
+                </a:solidFill>
+              </a:rPr>
+              <a:t>PREV_DAY, 7AM, 8AM, 9AM, 10AM, 11AM, 12PM, 1PM, 2PM, 3PM, 4PM, 5PM, 6PM, 7PM</a:t>
+            </a:r>
+            <a:r>
+              <a:rPr lang="en-US" sz="1400" dirty="0" smtClean="0">
+                <a:solidFill>
+                  <a:srgbClr val="0070C0"/>
+                </a:solidFill>
+              </a:rPr>
+              <a:t>)</a:t>
+            </a:r>
+          </a:p>
+          <a:p>
+            <a:pPr marL="342900" indent="-342900">
+              <a:buAutoNum type="alphaLcParenR"/>
+            </a:pPr>
+            <a:r>
+              <a:rPr lang="en-US" sz="1400" dirty="0" smtClean="0">
+                <a:solidFill>
+                  <a:srgbClr val="0070C0"/>
+                </a:solidFill>
+              </a:rPr>
+              <a:t>Files will be sequenced for ease of use but candidate can manually drop files in a sequence if needed (No penalties for manually dropping the files in the drop zone) during the Demo(s)</a:t>
+            </a:r>
+          </a:p>
+          <a:p>
+            <a:pPr marL="342900" indent="-342900">
+              <a:buAutoNum type="alphaLcParenR"/>
+            </a:pPr>
+            <a:r>
+              <a:rPr lang="en-US" sz="1400" dirty="0" smtClean="0">
+                <a:solidFill>
+                  <a:srgbClr val="0070C0"/>
+                </a:solidFill>
+              </a:rPr>
+              <a:t>No persistent data store is expected, module needs to be able to restart from “Start of the Day” if required by terminating all the appropriate daemons and restarting in necessary </a:t>
+            </a:r>
+            <a:r>
+              <a:rPr lang="en-US" sz="1400" dirty="0" smtClean="0">
+                <a:solidFill>
+                  <a:srgbClr val="0070C0"/>
+                </a:solidFill>
+              </a:rPr>
+              <a:t>sequence</a:t>
+            </a:r>
+          </a:p>
+          <a:p>
+            <a:pPr marL="342900" indent="-342900">
+              <a:buAutoNum type="alphaLcParenR"/>
+            </a:pPr>
+            <a:r>
+              <a:rPr lang="en-US" sz="1400" dirty="0" smtClean="0">
+                <a:solidFill>
+                  <a:srgbClr val="0070C0"/>
+                </a:solidFill>
+              </a:rPr>
+              <a:t>No need to handle changes to files and re-loading of same timestamp of prices</a:t>
+            </a:r>
+          </a:p>
+          <a:p>
+            <a:pPr marL="342900" indent="-342900">
+              <a:buAutoNum type="alphaLcParenR"/>
+            </a:pPr>
+            <a:r>
+              <a:rPr lang="en-US" sz="1400" dirty="0" smtClean="0">
+                <a:solidFill>
+                  <a:srgbClr val="0070C0"/>
+                </a:solidFill>
+              </a:rPr>
+              <a:t>Participants can use any open source or 3</a:t>
+            </a:r>
+            <a:r>
+              <a:rPr lang="en-US" sz="1400" baseline="30000" dirty="0" smtClean="0">
+                <a:solidFill>
+                  <a:srgbClr val="0070C0"/>
+                </a:solidFill>
+              </a:rPr>
+              <a:t>rd</a:t>
+            </a:r>
+            <a:r>
+              <a:rPr lang="en-US" sz="1400" dirty="0" smtClean="0">
+                <a:solidFill>
+                  <a:srgbClr val="0070C0"/>
+                </a:solidFill>
+              </a:rPr>
+              <a:t> party packages as long as the components are pre-built Portfolio and Profit/Loss calculators</a:t>
+            </a:r>
+            <a:endParaRPr lang="en-US" sz="1400" dirty="0" smtClean="0">
+              <a:solidFill>
+                <a:srgbClr val="0070C0"/>
+              </a:solidFill>
+            </a:endParaRPr>
+          </a:p>
+          <a:p>
+            <a:pPr marL="342900" indent="-342900">
+              <a:buAutoNum type="alphaLcParenR"/>
+            </a:pPr>
+            <a:endParaRPr lang="en-US" sz="1400" dirty="0" smtClean="0">
+              <a:solidFill>
+                <a:srgbClr val="0070C0"/>
+              </a:solidFill>
+            </a:endParaRPr>
+          </a:p>
+        </p:txBody>
+      </p:sp>
+    </p:spTree>
+    <p:extLst>
+      <p:ext uri="{BB962C8B-B14F-4D97-AF65-F5344CB8AC3E}">
+        <p14:creationId xmlns:p14="http://schemas.microsoft.com/office/powerpoint/2010/main" val="2546653287"/>
+      </p:ext>
+    </p:extLst>
+  </p:cSld>
+  <p:clrMapOvr>
+    <a:masterClrMapping/>
+  </p:clrMapOvr>
+  <p:timing>
+    <p:tnLst>
+      <p:par>
+        <p:cTn id="1" dur="indefinite" restart="never" nodeType="tmRoot"/>
+      </p:par>
+    </p:tnLst>
+  </p:timing>
+</p:sld>
+</file>
+
+<file path=ppt/slides/slide6.xml><?xml version="1.0" encoding="utf-8"?>
+<p:sld xmlns:a="http://schemas.openxmlformats.org/drawingml/2006/main" xmlns:r="http://schemas.openxmlformats.org/officeDocument/2006/relationships" xmlns:p="http://schemas.openxmlformats.org/presentationml/2006/main">
+  <p:cSld>
+    <p:spTree>
+      <p:nvGrpSpPr>
+        <p:cNvPr id="1" name=""/>
+        <p:cNvGrpSpPr/>
+        <p:nvPr/>
+      </p:nvGrpSpPr>
+      <p:grpSpPr>
+        <a:xfrm>
+          <a:off x="0" y="0"/>
+          <a:ext cx="0" cy="0"/>
+          <a:chOff x="0" y="0"/>
+          <a:chExt cx="0" cy="0"/>
+        </a:xfrm>
+      </p:grpSpPr>
+      <p:sp>
+        <p:nvSpPr>
+          <p:cNvPr id="2" name="Title 1">
+            <a:extLst>
+              <a:ext uri="{FF2B5EF4-FFF2-40B4-BE49-F238E27FC236}">
+                <a16:creationId xmlns:a16="http://schemas.microsoft.com/office/drawing/2014/main" xmlns="" id="{62976BD0-EC56-4413-B8C4-1C11F1896BE1}"/>
+              </a:ext>
+            </a:extLst>
+          </p:cNvPr>
+          <p:cNvSpPr>
+            <a:spLocks noGrp="1"/>
+          </p:cNvSpPr>
+          <p:nvPr>
+            <p:ph type="title"/>
+          </p:nvPr>
+        </p:nvSpPr>
+        <p:spPr/>
+        <p:txBody>
+          <a:bodyPr/>
+          <a:lstStyle/>
+          <a:p>
+            <a:r>
+              <a:rPr lang="en-US" dirty="0" smtClean="0"/>
+              <a:t>Basic Calculations</a:t>
+            </a:r>
+            <a:endParaRPr lang="en-US" dirty="0"/>
+          </a:p>
+        </p:txBody>
+      </p:sp>
+      <p:sp>
+        <p:nvSpPr>
+          <p:cNvPr id="3" name="Text Placeholder 2">
+            <a:extLst>
+              <a:ext uri="{FF2B5EF4-FFF2-40B4-BE49-F238E27FC236}">
+                <a16:creationId xmlns:a16="http://schemas.microsoft.com/office/drawing/2014/main" xmlns="" id="{871D1BD1-133A-4DB2-B4C8-1BE2E43306C4}"/>
+              </a:ext>
+            </a:extLst>
+          </p:cNvPr>
+          <p:cNvSpPr>
+            <a:spLocks noGrp="1"/>
+          </p:cNvSpPr>
+          <p:nvPr>
+            <p:ph type="body" sz="quarter" idx="10"/>
+          </p:nvPr>
+        </p:nvSpPr>
+        <p:spPr>
+          <a:xfrm>
+            <a:off x="658196" y="1068977"/>
+            <a:ext cx="10972800" cy="5185805"/>
+          </a:xfrm>
+        </p:spPr>
+        <p:txBody>
+          <a:bodyPr>
+            <a:normAutofit lnSpcReduction="10000"/>
+          </a:bodyPr>
+          <a:lstStyle/>
+          <a:p>
+            <a:pPr marL="457200" indent="-457200">
+              <a:buFont typeface="+mj-lt"/>
+              <a:buAutoNum type="arabicPeriod"/>
+            </a:pPr>
+            <a:endParaRPr lang="en-US" sz="2000" dirty="0" smtClean="0"/>
+          </a:p>
+          <a:p>
+            <a:pPr marL="457200" indent="-457200">
+              <a:buFont typeface="+mj-lt"/>
+              <a:buAutoNum type="arabicPeriod"/>
+            </a:pPr>
+            <a:r>
+              <a:rPr lang="en-US" sz="2000" dirty="0" smtClean="0"/>
+              <a:t>The </a:t>
+            </a:r>
+            <a:r>
+              <a:rPr lang="en-US" sz="2000" dirty="0"/>
+              <a:t>system receives a ‘bootstrap’ snapshot of the portfolio from the previous day’s close of business and uses that as a basis for all PnL calculations.  Throughout the ‘day’ (defined as multiple files) the system receives intra-day price updates and is be expected to process this information in real-time.</a:t>
+            </a:r>
+          </a:p>
+          <a:p>
+            <a:pPr marL="457200" indent="-457200">
+              <a:buFont typeface="+mj-lt"/>
+              <a:buAutoNum type="arabicPeriod"/>
+            </a:pPr>
+            <a:endParaRPr lang="en-US" sz="2000" i="1" dirty="0" smtClean="0"/>
+          </a:p>
+          <a:p>
+            <a:pPr marL="800100" lvl="1" indent="-457200">
+              <a:buFont typeface="+mj-lt"/>
+              <a:buAutoNum type="arabicPeriod"/>
+            </a:pPr>
+            <a:r>
+              <a:rPr lang="en-US" sz="2000" i="1" dirty="0" smtClean="0"/>
+              <a:t>PnL </a:t>
+            </a:r>
+            <a:r>
+              <a:rPr lang="en-US" sz="2000" i="1" dirty="0"/>
+              <a:t>in a currency = </a:t>
+            </a:r>
+            <a:r>
+              <a:rPr lang="en-US" sz="2000" b="1" i="1" dirty="0"/>
+              <a:t>PrevDay</a:t>
+            </a:r>
+            <a:r>
+              <a:rPr lang="en-US" sz="2000" i="1" dirty="0"/>
+              <a:t> </a:t>
+            </a:r>
+            <a:r>
+              <a:rPr lang="en-US" sz="2000" i="1" u="sng" dirty="0"/>
+              <a:t>Value of Portfolio</a:t>
+            </a:r>
+            <a:r>
+              <a:rPr lang="en-US" sz="2000" i="1" dirty="0"/>
+              <a:t> – </a:t>
+            </a:r>
+            <a:r>
+              <a:rPr lang="en-US" sz="2000" b="1" i="1" dirty="0"/>
+              <a:t>Current</a:t>
+            </a:r>
+            <a:r>
+              <a:rPr lang="en-US" sz="2000" i="1" dirty="0"/>
+              <a:t> </a:t>
+            </a:r>
+            <a:r>
+              <a:rPr lang="en-US" sz="2000" i="1" u="sng" dirty="0"/>
+              <a:t>Value of Portfolio</a:t>
+            </a:r>
+            <a:endParaRPr lang="en-US" sz="2000" dirty="0"/>
+          </a:p>
+          <a:p>
+            <a:pPr marL="800100" lvl="1" indent="-457200">
+              <a:buFont typeface="+mj-lt"/>
+              <a:buAutoNum type="arabicPeriod"/>
+            </a:pPr>
+            <a:r>
+              <a:rPr lang="en-US" sz="2000" b="1" i="1" dirty="0"/>
+              <a:t>Value of portfolio</a:t>
+            </a:r>
+            <a:r>
+              <a:rPr lang="en-US" sz="2000" i="1" dirty="0"/>
+              <a:t> = Sum of all </a:t>
+            </a:r>
+            <a:r>
+              <a:rPr lang="en-US" sz="2000" b="1" i="1" dirty="0"/>
+              <a:t>stock values</a:t>
+            </a:r>
+            <a:endParaRPr lang="en-US" sz="2000" dirty="0"/>
+          </a:p>
+          <a:p>
+            <a:pPr marL="800100" lvl="1" indent="-457200">
+              <a:buFont typeface="+mj-lt"/>
+              <a:buAutoNum type="arabicPeriod"/>
+            </a:pPr>
+            <a:r>
+              <a:rPr lang="en-US" sz="2000" b="1" i="1" dirty="0"/>
+              <a:t>Stock value</a:t>
+            </a:r>
+            <a:r>
+              <a:rPr lang="en-US" sz="2000" i="1" dirty="0"/>
+              <a:t> = # of stocks of a particular company * stock price in a single </a:t>
+            </a:r>
+            <a:r>
+              <a:rPr lang="en-US" sz="2000" i="1" dirty="0" smtClean="0"/>
+              <a:t>currency</a:t>
+            </a:r>
+          </a:p>
+          <a:p>
+            <a:pPr marL="457200" indent="-457200">
+              <a:buFont typeface="+mj-lt"/>
+              <a:buAutoNum type="arabicPeriod"/>
+            </a:pPr>
+            <a:endParaRPr lang="en-US" sz="2000" i="1" dirty="0"/>
+          </a:p>
+          <a:p>
+            <a:r>
+              <a:rPr lang="en-US" sz="2000" u="sng" dirty="0" smtClean="0">
+                <a:solidFill>
+                  <a:srgbClr val="FF0000"/>
+                </a:solidFill>
+              </a:rPr>
+              <a:t>All the necessary utilities/helper code/data files/instructions/sample excel for review are available for participants at:</a:t>
+            </a:r>
+          </a:p>
+          <a:p>
+            <a:endParaRPr lang="en-US" sz="2000" dirty="0" smtClean="0"/>
+          </a:p>
+          <a:p>
+            <a:pPr algn="ctr"/>
+            <a:r>
+              <a:rPr lang="en-US" sz="2000" dirty="0" smtClean="0">
+                <a:solidFill>
+                  <a:srgbClr val="002060"/>
+                </a:solidFill>
+              </a:rPr>
+              <a:t>https</a:t>
+            </a:r>
+            <a:r>
+              <a:rPr lang="en-US" sz="2000" dirty="0">
+                <a:solidFill>
+                  <a:srgbClr val="002060"/>
+                </a:solidFill>
+              </a:rPr>
+              <a:t>://github.com/skandula76/PS_NY_Fall2018_CoreJavaHack</a:t>
+            </a:r>
+            <a:endParaRPr lang="en-US" sz="2000" dirty="0">
+              <a:solidFill>
+                <a:srgbClr val="002060"/>
+              </a:solidFill>
+            </a:endParaRPr>
+          </a:p>
+        </p:txBody>
+      </p:sp>
+    </p:spTree>
+    <p:extLst>
+      <p:ext uri="{BB962C8B-B14F-4D97-AF65-F5344CB8AC3E}">
+        <p14:creationId xmlns:p14="http://schemas.microsoft.com/office/powerpoint/2010/main" val="2654435927"/>
+      </p:ext>
+    </p:extLst>
+  </p:cSld>
+  <p:clrMapOvr>
+    <a:masterClrMapping/>
+  </p:clrMapOvr>
+  <p:timing>
+    <p:tnLst>
+      <p:par>
+        <p:cTn id="1" dur="indefinite" restart="never" nodeType="tmRoot"/>
+      </p:par>
+    </p:tnLst>
+  </p:timing>
+</p:sld>
+</file>
+
+<file path=ppt/slides/slide7.xml><?xml version="1.0" encoding="utf-8"?>
+<p:sld xmlns:a="http://schemas.openxmlformats.org/drawingml/2006/main" xmlns:r="http://schemas.openxmlformats.org/officeDocument/2006/relationships" xmlns:p="http://schemas.openxmlformats.org/presentationml/2006/main">
+  <p:cSld>
+    <p:spTree>
+      <p:nvGrpSpPr>
+        <p:cNvPr id="1" name=""/>
+        <p:cNvGrpSpPr/>
+        <p:nvPr/>
+      </p:nvGrpSpPr>
+      <p:grpSpPr>
+        <a:xfrm>
+          <a:off x="0" y="0"/>
+          <a:ext cx="0" cy="0"/>
+          <a:chOff x="0" y="0"/>
+          <a:chExt cx="0" cy="0"/>
+        </a:xfrm>
+      </p:grpSpPr>
+      <p:sp>
+        <p:nvSpPr>
+          <p:cNvPr id="2" name="Title 1">
+            <a:extLst>
+              <a:ext uri="{FF2B5EF4-FFF2-40B4-BE49-F238E27FC236}">
+                <a16:creationId xmlns:a16="http://schemas.microsoft.com/office/drawing/2014/main" xmlns="" id="{62976BD0-EC56-4413-B8C4-1C11F1896BE1}"/>
               </a:ext>
             </a:extLst>
           </p:cNvPr>

--- a/Java_Hack_2018_Nov.pptx
+++ b/Java_Hack_2018_Nov.pptx
@@ -16827,7 +16827,7 @@
           <p:cNvPr id="7" name="Rectangle 6">
             <a:extLst>
               <a:ext uri="{FF2B5EF4-FFF2-40B4-BE49-F238E27FC236}">
-                <a16:creationId xmlns:a16="http://schemas.microsoft.com/office/drawing/2014/main" xmlns="" id="{51377A9C-ED53-4ED3-B940-2B3F33695759}"/>
+                <a16:creationId xmlns="" xmlns:a16="http://schemas.microsoft.com/office/drawing/2014/main" id="{51377A9C-ED53-4ED3-B940-2B3F33695759}"/>
               </a:ext>
             </a:extLst>
           </p:cNvPr>
@@ -16878,7 +16878,7 @@
           <p:cNvPr id="8" name="Picture 7" descr="mark4.png">
             <a:extLst>
               <a:ext uri="{FF2B5EF4-FFF2-40B4-BE49-F238E27FC236}">
-                <a16:creationId xmlns:a16="http://schemas.microsoft.com/office/drawing/2014/main" xmlns="" id="{2EB392AE-7A01-4313-8DEC-49C6E5380430}"/>
+                <a16:creationId xmlns="" xmlns:a16="http://schemas.microsoft.com/office/drawing/2014/main" id="{2EB392AE-7A01-4313-8DEC-49C6E5380430}"/>
               </a:ext>
             </a:extLst>
           </p:cNvPr>
@@ -16914,7 +16914,7 @@
           <p:cNvPr id="9" name="Text Box 14">
             <a:extLst>
               <a:ext uri="{FF2B5EF4-FFF2-40B4-BE49-F238E27FC236}">
-                <a16:creationId xmlns:a16="http://schemas.microsoft.com/office/drawing/2014/main" xmlns="" id="{6637551D-AF29-4950-A3CD-8B6E9D8776BA}"/>
+                <a16:creationId xmlns="" xmlns:a16="http://schemas.microsoft.com/office/drawing/2014/main" id="{6637551D-AF29-4950-A3CD-8B6E9D8776BA}"/>
               </a:ext>
             </a:extLst>
           </p:cNvPr>
@@ -17404,7 +17404,7 @@
           <p:cNvPr id="7" name="Rectangle 6">
             <a:extLst>
               <a:ext uri="{FF2B5EF4-FFF2-40B4-BE49-F238E27FC236}">
-                <a16:creationId xmlns:a16="http://schemas.microsoft.com/office/drawing/2014/main" xmlns="" id="{004044B2-3EC1-5542-A84A-03BCADDD9A8C}"/>
+                <a16:creationId xmlns="" xmlns:a16="http://schemas.microsoft.com/office/drawing/2014/main" id="{004044B2-3EC1-5542-A84A-03BCADDD9A8C}"/>
               </a:ext>
             </a:extLst>
           </p:cNvPr>
@@ -17455,7 +17455,7 @@
           <p:cNvPr id="8" name="Picture 7" descr="mark4.png">
             <a:extLst>
               <a:ext uri="{FF2B5EF4-FFF2-40B4-BE49-F238E27FC236}">
-                <a16:creationId xmlns:a16="http://schemas.microsoft.com/office/drawing/2014/main" xmlns="" id="{C3135819-F42E-6E46-9BBE-54848FFD553C}"/>
+                <a16:creationId xmlns="" xmlns:a16="http://schemas.microsoft.com/office/drawing/2014/main" id="{C3135819-F42E-6E46-9BBE-54848FFD553C}"/>
               </a:ext>
             </a:extLst>
           </p:cNvPr>
@@ -17491,7 +17491,7 @@
           <p:cNvPr id="11" name="Text Box 14">
             <a:extLst>
               <a:ext uri="{FF2B5EF4-FFF2-40B4-BE49-F238E27FC236}">
-                <a16:creationId xmlns:a16="http://schemas.microsoft.com/office/drawing/2014/main" xmlns="" id="{AFF05405-E0DB-BE49-B537-2FD7CAE677B5}"/>
+                <a16:creationId xmlns="" xmlns:a16="http://schemas.microsoft.com/office/drawing/2014/main" id="{AFF05405-E0DB-BE49-B537-2FD7CAE677B5}"/>
               </a:ext>
             </a:extLst>
           </p:cNvPr>
@@ -19305,14 +19305,14 @@
           </a:ln>
           <a:extLst>
             <a:ext uri="{909E8E84-426E-40dd-AFC4-6F175D3DCCD1}">
-              <a14:hiddenFill xmlns:a14="http://schemas.microsoft.com/office/drawing/2010/main" xmlns="">
+              <a14:hiddenFill xmlns="" xmlns:a14="http://schemas.microsoft.com/office/drawing/2010/main">
                 <a:solidFill>
                   <a:srgbClr val="FFFFFF"/>
                 </a:solidFill>
               </a14:hiddenFill>
             </a:ext>
             <a:ext uri="{91240B29-F687-4f45-9708-019B960494DF}">
-              <a14:hiddenLine xmlns:a14="http://schemas.microsoft.com/office/drawing/2010/main" xmlns="" w="9525">
+              <a14:hiddenLine xmlns="" xmlns:a14="http://schemas.microsoft.com/office/drawing/2010/main" w="9525">
                 <a:solidFill>
                   <a:srgbClr val="000000"/>
                 </a:solidFill>
@@ -19322,7 +19322,7 @@
               </a14:hiddenLine>
             </a:ext>
             <a:ext uri="{FAA26D3D-D897-4be2-8F04-BA451C77F1D7}">
-              <ma14:placeholderFlag xmlns:ma14="http://schemas.microsoft.com/office/mac/drawingml/2011/main" xmlns="" val="1"/>
+              <ma14:placeholderFlag xmlns="" xmlns:ma14="http://schemas.microsoft.com/office/mac/drawingml/2011/main" val="1"/>
             </a:ext>
           </a:extLst>
         </p:spPr>
@@ -19367,14 +19367,14 @@
           </a:ln>
           <a:extLst>
             <a:ext uri="{909E8E84-426E-40dd-AFC4-6F175D3DCCD1}">
-              <a14:hiddenFill xmlns:a14="http://schemas.microsoft.com/office/drawing/2010/main" xmlns="">
+              <a14:hiddenFill xmlns="" xmlns:a14="http://schemas.microsoft.com/office/drawing/2010/main">
                 <a:solidFill>
                   <a:srgbClr val="FFFFFF"/>
                 </a:solidFill>
               </a14:hiddenFill>
             </a:ext>
             <a:ext uri="{91240B29-F687-4f45-9708-019B960494DF}">
-              <a14:hiddenLine xmlns:a14="http://schemas.microsoft.com/office/drawing/2010/main" xmlns="" w="9525">
+              <a14:hiddenLine xmlns="" xmlns:a14="http://schemas.microsoft.com/office/drawing/2010/main" w="9525">
                 <a:solidFill>
                   <a:srgbClr val="000000"/>
                 </a:solidFill>
@@ -19384,7 +19384,7 @@
               </a14:hiddenLine>
             </a:ext>
             <a:ext uri="{FAA26D3D-D897-4be2-8F04-BA451C77F1D7}">
-              <ma14:placeholderFlag xmlns:ma14="http://schemas.microsoft.com/office/mac/drawingml/2011/main" xmlns="" val="1"/>
+              <ma14:placeholderFlag xmlns="" xmlns:ma14="http://schemas.microsoft.com/office/mac/drawingml/2011/main" val="1"/>
             </a:ext>
           </a:extLst>
         </p:spPr>
@@ -20073,14 +20073,14 @@
           </a:ln>
           <a:extLst>
             <a:ext uri="{909E8E84-426E-40dd-AFC4-6F175D3DCCD1}">
-              <a14:hiddenFill xmlns:a14="http://schemas.microsoft.com/office/drawing/2010/main" xmlns="">
+              <a14:hiddenFill xmlns="" xmlns:a14="http://schemas.microsoft.com/office/drawing/2010/main">
                 <a:solidFill>
                   <a:srgbClr val="FFFFFF"/>
                 </a:solidFill>
               </a14:hiddenFill>
             </a:ext>
             <a:ext uri="{91240B29-F687-4f45-9708-019B960494DF}">
-              <a14:hiddenLine xmlns:a14="http://schemas.microsoft.com/office/drawing/2010/main" xmlns="" w="9525">
+              <a14:hiddenLine xmlns="" xmlns:a14="http://schemas.microsoft.com/office/drawing/2010/main" w="9525">
                 <a:solidFill>
                   <a:srgbClr val="000000"/>
                 </a:solidFill>
@@ -20090,7 +20090,7 @@
               </a14:hiddenLine>
             </a:ext>
             <a:ext uri="{FAA26D3D-D897-4be2-8F04-BA451C77F1D7}">
-              <ma14:placeholderFlag xmlns:ma14="http://schemas.microsoft.com/office/mac/drawingml/2011/main" xmlns="" val="1"/>
+              <ma14:placeholderFlag xmlns="" xmlns:ma14="http://schemas.microsoft.com/office/mac/drawingml/2011/main" val="1"/>
             </a:ext>
           </a:extLst>
         </p:spPr>
@@ -20135,14 +20135,14 @@
           </a:ln>
           <a:extLst>
             <a:ext uri="{909E8E84-426E-40dd-AFC4-6F175D3DCCD1}">
-              <a14:hiddenFill xmlns:a14="http://schemas.microsoft.com/office/drawing/2010/main" xmlns="">
+              <a14:hiddenFill xmlns="" xmlns:a14="http://schemas.microsoft.com/office/drawing/2010/main">
                 <a:solidFill>
                   <a:srgbClr val="FFFFFF"/>
                 </a:solidFill>
               </a14:hiddenFill>
             </a:ext>
             <a:ext uri="{91240B29-F687-4f45-9708-019B960494DF}">
-              <a14:hiddenLine xmlns:a14="http://schemas.microsoft.com/office/drawing/2010/main" xmlns="" w="9525">
+              <a14:hiddenLine xmlns="" xmlns:a14="http://schemas.microsoft.com/office/drawing/2010/main" w="9525">
                 <a:solidFill>
                   <a:srgbClr val="000000"/>
                 </a:solidFill>
@@ -20152,7 +20152,7 @@
               </a14:hiddenLine>
             </a:ext>
             <a:ext uri="{FAA26D3D-D897-4be2-8F04-BA451C77F1D7}">
-              <ma14:placeholderFlag xmlns:ma14="http://schemas.microsoft.com/office/mac/drawingml/2011/main" xmlns="" val="1"/>
+              <ma14:placeholderFlag xmlns="" xmlns:ma14="http://schemas.microsoft.com/office/mac/drawingml/2011/main" val="1"/>
             </a:ext>
           </a:extLst>
         </p:spPr>
@@ -21715,14 +21715,14 @@
           </a:ln>
           <a:extLst>
             <a:ext uri="{909E8E84-426E-40dd-AFC4-6F175D3DCCD1}">
-              <a14:hiddenFill xmlns:a14="http://schemas.microsoft.com/office/drawing/2010/main" xmlns="">
+              <a14:hiddenFill xmlns="" xmlns:a14="http://schemas.microsoft.com/office/drawing/2010/main">
                 <a:solidFill>
                   <a:srgbClr val="FFFFFF"/>
                 </a:solidFill>
               </a14:hiddenFill>
             </a:ext>
             <a:ext uri="{91240B29-F687-4f45-9708-019B960494DF}">
-              <a14:hiddenLine xmlns:a14="http://schemas.microsoft.com/office/drawing/2010/main" xmlns="" w="9525">
+              <a14:hiddenLine xmlns="" xmlns:a14="http://schemas.microsoft.com/office/drawing/2010/main" w="9525">
                 <a:solidFill>
                   <a:srgbClr val="000000"/>
                 </a:solidFill>
@@ -21732,7 +21732,7 @@
               </a14:hiddenLine>
             </a:ext>
             <a:ext uri="{FAA26D3D-D897-4be2-8F04-BA451C77F1D7}">
-              <ma14:placeholderFlag xmlns:ma14="http://schemas.microsoft.com/office/mac/drawingml/2011/main" xmlns="" val="1"/>
+              <ma14:placeholderFlag xmlns="" xmlns:ma14="http://schemas.microsoft.com/office/mac/drawingml/2011/main" val="1"/>
             </a:ext>
           </a:extLst>
         </p:spPr>
@@ -21777,14 +21777,14 @@
           </a:ln>
           <a:extLst>
             <a:ext uri="{909E8E84-426E-40dd-AFC4-6F175D3DCCD1}">
-              <a14:hiddenFill xmlns:a14="http://schemas.microsoft.com/office/drawing/2010/main" xmlns="">
+              <a14:hiddenFill xmlns="" xmlns:a14="http://schemas.microsoft.com/office/drawing/2010/main">
                 <a:solidFill>
                   <a:srgbClr val="FFFFFF"/>
                 </a:solidFill>
               </a14:hiddenFill>
             </a:ext>
             <a:ext uri="{91240B29-F687-4f45-9708-019B960494DF}">
-              <a14:hiddenLine xmlns:a14="http://schemas.microsoft.com/office/drawing/2010/main" xmlns="" w="9525">
+              <a14:hiddenLine xmlns="" xmlns:a14="http://schemas.microsoft.com/office/drawing/2010/main" w="9525">
                 <a:solidFill>
                   <a:srgbClr val="000000"/>
                 </a:solidFill>
@@ -21794,7 +21794,7 @@
               </a14:hiddenLine>
             </a:ext>
             <a:ext uri="{FAA26D3D-D897-4be2-8F04-BA451C77F1D7}">
-              <ma14:placeholderFlag xmlns:ma14="http://schemas.microsoft.com/office/mac/drawingml/2011/main" xmlns="" val="1"/>
+              <ma14:placeholderFlag xmlns="" xmlns:ma14="http://schemas.microsoft.com/office/mac/drawingml/2011/main" val="1"/>
             </a:ext>
           </a:extLst>
         </p:spPr>
@@ -22239,14 +22239,14 @@
           </a:ln>
           <a:extLst>
             <a:ext uri="{909E8E84-426E-40dd-AFC4-6F175D3DCCD1}">
-              <a14:hiddenFill xmlns:a14="http://schemas.microsoft.com/office/drawing/2010/main" xmlns="">
+              <a14:hiddenFill xmlns="" xmlns:a14="http://schemas.microsoft.com/office/drawing/2010/main">
                 <a:solidFill>
                   <a:srgbClr val="FFFFFF"/>
                 </a:solidFill>
               </a14:hiddenFill>
             </a:ext>
             <a:ext uri="{91240B29-F687-4f45-9708-019B960494DF}">
-              <a14:hiddenLine xmlns:a14="http://schemas.microsoft.com/office/drawing/2010/main" xmlns="" w="9525">
+              <a14:hiddenLine xmlns="" xmlns:a14="http://schemas.microsoft.com/office/drawing/2010/main" w="9525">
                 <a:solidFill>
                   <a:srgbClr val="000000"/>
                 </a:solidFill>
@@ -22256,7 +22256,7 @@
               </a14:hiddenLine>
             </a:ext>
             <a:ext uri="{FAA26D3D-D897-4be2-8F04-BA451C77F1D7}">
-              <ma14:placeholderFlag xmlns:ma14="http://schemas.microsoft.com/office/mac/drawingml/2011/main" xmlns="" val="1"/>
+              <ma14:placeholderFlag xmlns="" xmlns:ma14="http://schemas.microsoft.com/office/mac/drawingml/2011/main" val="1"/>
             </a:ext>
           </a:extLst>
         </p:spPr>
@@ -22301,14 +22301,14 @@
           </a:ln>
           <a:extLst>
             <a:ext uri="{909E8E84-426E-40dd-AFC4-6F175D3DCCD1}">
-              <a14:hiddenFill xmlns:a14="http://schemas.microsoft.com/office/drawing/2010/main" xmlns="">
+              <a14:hiddenFill xmlns="" xmlns:a14="http://schemas.microsoft.com/office/drawing/2010/main">
                 <a:solidFill>
                   <a:srgbClr val="FFFFFF"/>
                 </a:solidFill>
               </a14:hiddenFill>
             </a:ext>
             <a:ext uri="{91240B29-F687-4f45-9708-019B960494DF}">
-              <a14:hiddenLine xmlns:a14="http://schemas.microsoft.com/office/drawing/2010/main" xmlns="" w="9525">
+              <a14:hiddenLine xmlns="" xmlns:a14="http://schemas.microsoft.com/office/drawing/2010/main" w="9525">
                 <a:solidFill>
                   <a:srgbClr val="000000"/>
                 </a:solidFill>
@@ -22318,7 +22318,7 @@
               </a14:hiddenLine>
             </a:ext>
             <a:ext uri="{FAA26D3D-D897-4be2-8F04-BA451C77F1D7}">
-              <ma14:placeholderFlag xmlns:ma14="http://schemas.microsoft.com/office/mac/drawingml/2011/main" xmlns="" val="1"/>
+              <ma14:placeholderFlag xmlns="" xmlns:ma14="http://schemas.microsoft.com/office/mac/drawingml/2011/main" val="1"/>
             </a:ext>
           </a:extLst>
         </p:spPr>
@@ -22981,7 +22981,7 @@
           <p:cNvPr id="2" name="Title 1">
             <a:extLst>
               <a:ext uri="{FF2B5EF4-FFF2-40B4-BE49-F238E27FC236}">
-                <a16:creationId xmlns:a16="http://schemas.microsoft.com/office/drawing/2014/main" xmlns="" id="{62976BD0-EC56-4413-B8C4-1C11F1896BE1}"/>
+                <a16:creationId xmlns="" xmlns:a16="http://schemas.microsoft.com/office/drawing/2014/main" id="{62976BD0-EC56-4413-B8C4-1C11F1896BE1}"/>
               </a:ext>
             </a:extLst>
           </p:cNvPr>
@@ -23010,7 +23010,7 @@
           <p:cNvPr id="3" name="Text Placeholder 2">
             <a:extLst>
               <a:ext uri="{FF2B5EF4-FFF2-40B4-BE49-F238E27FC236}">
-                <a16:creationId xmlns:a16="http://schemas.microsoft.com/office/drawing/2014/main" xmlns="" id="{871D1BD1-133A-4DB2-B4C8-1BE2E43306C4}"/>
+                <a16:creationId xmlns="" xmlns:a16="http://schemas.microsoft.com/office/drawing/2014/main" id="{871D1BD1-133A-4DB2-B4C8-1BE2E43306C4}"/>
               </a:ext>
             </a:extLst>
           </p:cNvPr>
@@ -23096,17 +23096,7 @@
                   </a:schemeClr>
                 </a:solidFill>
               </a:rPr>
-              <a:t>The </a:t>
-            </a:r>
-            <a:r>
-              <a:rPr lang="en-US" sz="2800" dirty="0">
-                <a:solidFill>
-                  <a:schemeClr val="accent2">
-                    <a:lumMod val="75000"/>
-                  </a:schemeClr>
-                </a:solidFill>
-              </a:rPr>
-              <a:t>component should provide summarization of profit (or loss) across multiple groupings of stocks </a:t>
+              <a:t>The component should provide summarization of profit (or loss) across multiple groupings of stocks </a:t>
             </a:r>
             <a:r>
               <a:rPr lang="en-US" sz="2800" dirty="0"/>
@@ -23162,7 +23152,7 @@
           <p:cNvPr id="2" name="Title 1">
             <a:extLst>
               <a:ext uri="{FF2B5EF4-FFF2-40B4-BE49-F238E27FC236}">
-                <a16:creationId xmlns:a16="http://schemas.microsoft.com/office/drawing/2014/main" xmlns="" id="{62976BD0-EC56-4413-B8C4-1C11F1896BE1}"/>
+                <a16:creationId xmlns="" xmlns:a16="http://schemas.microsoft.com/office/drawing/2014/main" id="{62976BD0-EC56-4413-B8C4-1C11F1896BE1}"/>
               </a:ext>
             </a:extLst>
           </p:cNvPr>
@@ -24730,7 +24720,7 @@
           <p:cNvPr id="2" name="Title 1">
             <a:extLst>
               <a:ext uri="{FF2B5EF4-FFF2-40B4-BE49-F238E27FC236}">
-                <a16:creationId xmlns:a16="http://schemas.microsoft.com/office/drawing/2014/main" xmlns="" id="{62976BD0-EC56-4413-B8C4-1C11F1896BE1}"/>
+                <a16:creationId xmlns="" xmlns:a16="http://schemas.microsoft.com/office/drawing/2014/main" id="{62976BD0-EC56-4413-B8C4-1C11F1896BE1}"/>
               </a:ext>
             </a:extLst>
           </p:cNvPr>
@@ -24759,7 +24749,7 @@
           <p:cNvPr id="3" name="Text Placeholder 2">
             <a:extLst>
               <a:ext uri="{FF2B5EF4-FFF2-40B4-BE49-F238E27FC236}">
-                <a16:creationId xmlns:a16="http://schemas.microsoft.com/office/drawing/2014/main" xmlns="" id="{871D1BD1-133A-4DB2-B4C8-1BE2E43306C4}"/>
+                <a16:creationId xmlns="" xmlns:a16="http://schemas.microsoft.com/office/drawing/2014/main" id="{871D1BD1-133A-4DB2-B4C8-1BE2E43306C4}"/>
               </a:ext>
             </a:extLst>
           </p:cNvPr>
@@ -24788,11 +24778,7 @@
             </a:r>
             <a:r>
               <a:rPr lang="en-US" sz="2000" dirty="0" smtClean="0"/>
-              <a:t>Ingest ‘Bootstrap’ holdings data from End of the Previous </a:t>
-            </a:r>
-            <a:r>
-              <a:rPr lang="en-US" sz="2000" dirty="0" smtClean="0"/>
-              <a:t>Day</a:t>
+              <a:t>Ingest ‘Bootstrap’ holdings data from End of the Previous Day</a:t>
             </a:r>
           </a:p>
           <a:p>
@@ -24807,7 +24793,6 @@
               <a:rPr lang="en-US" sz="2000" dirty="0" smtClean="0"/>
               <a:t>Ingest real-time changes to stock prices ‘intra-day’ by processing mini-batch of files as they appear in a folder																</a:t>
             </a:r>
-            <a:endParaRPr lang="en-US" sz="2000" dirty="0" smtClean="0"/>
           </a:p>
           <a:p>
             <a:endParaRPr lang="en-US" sz="2000" dirty="0"/>
@@ -24851,21 +24836,13 @@
             </a:r>
             <a:r>
               <a:rPr lang="en-US" sz="2000" dirty="0" smtClean="0"/>
-              <a:t>through an interactive command or visual interface, without restarting the file </a:t>
-            </a:r>
+              <a:t>through an interactive command or visual interface, without restarting the file processing that might happen in the background. </a:t>
+            </a:r>
+          </a:p>
+          <a:p>
             <a:r>
               <a:rPr lang="en-US" sz="2000" dirty="0" smtClean="0"/>
-              <a:t>processing that might happen in the background. </a:t>
-            </a:r>
-          </a:p>
-          <a:p>
-            <a:r>
-              <a:rPr lang="en-US" sz="2000" dirty="0" smtClean="0"/>
-              <a:t>Example of tests, </a:t>
-            </a:r>
-            <a:r>
-              <a:rPr lang="en-US" sz="2000" dirty="0" smtClean="0"/>
-              <a:t>but not limited to:</a:t>
+              <a:t>Example of tests, but not limited to:</a:t>
             </a:r>
           </a:p>
           <a:p>
@@ -24877,7 +24854,6 @@
               <a:rPr lang="en-US" sz="2000" dirty="0" smtClean="0"/>
               <a:t>														</a:t>
             </a:r>
-            <a:endParaRPr lang="en-US" sz="2000" dirty="0" smtClean="0"/>
           </a:p>
           <a:p>
             <a:r>
@@ -24894,15 +24870,7 @@
                   <a:srgbClr val="0070C0"/>
                 </a:solidFill>
               </a:rPr>
-              <a:t> </a:t>
-            </a:r>
-            <a:r>
-              <a:rPr lang="en-US" sz="1400" i="1" dirty="0" smtClean="0">
-                <a:solidFill>
-                  <a:srgbClr val="0070C0"/>
-                </a:solidFill>
-              </a:rPr>
-              <a:t>/global															</a:t>
+              <a:t> /global															</a:t>
             </a:r>
           </a:p>
           <a:p>
@@ -25085,7 +25053,7 @@
           <p:cNvPr id="2" name="Title 1">
             <a:extLst>
               <a:ext uri="{FF2B5EF4-FFF2-40B4-BE49-F238E27FC236}">
-                <a16:creationId xmlns:a16="http://schemas.microsoft.com/office/drawing/2014/main" xmlns="" id="{62976BD0-EC56-4413-B8C4-1C11F1896BE1}"/>
+                <a16:creationId xmlns="" xmlns:a16="http://schemas.microsoft.com/office/drawing/2014/main" id="{62976BD0-EC56-4413-B8C4-1C11F1896BE1}"/>
               </a:ext>
             </a:extLst>
           </p:cNvPr>
@@ -25103,15 +25071,7 @@
           <a:p>
             <a:r>
               <a:rPr lang="en-US" dirty="0" smtClean="0"/>
-              <a:t>Utilities and </a:t>
-            </a:r>
-            <a:r>
-              <a:rPr lang="en-US" dirty="0" smtClean="0"/>
-              <a:t>Helper </a:t>
-            </a:r>
-            <a:r>
-              <a:rPr lang="en-US" dirty="0" smtClean="0"/>
-              <a:t>Classes</a:t>
+              <a:t>Utilities and Helper Classes</a:t>
             </a:r>
             <a:endParaRPr lang="en-US" dirty="0"/>
           </a:p>
@@ -25122,7 +25082,7 @@
           <p:cNvPr id="3" name="Text Placeholder 2">
             <a:extLst>
               <a:ext uri="{FF2B5EF4-FFF2-40B4-BE49-F238E27FC236}">
-                <a16:creationId xmlns:a16="http://schemas.microsoft.com/office/drawing/2014/main" xmlns="" id="{871D1BD1-133A-4DB2-B4C8-1BE2E43306C4}"/>
+                <a16:creationId xmlns="" xmlns:a16="http://schemas.microsoft.com/office/drawing/2014/main" id="{871D1BD1-133A-4DB2-B4C8-1BE2E43306C4}"/>
               </a:ext>
             </a:extLst>
           </p:cNvPr>
@@ -25229,11 +25189,7 @@
             </a:r>
             <a:r>
               <a:rPr lang="en-US" sz="2000" dirty="0" smtClean="0"/>
-              <a:t>). No additional credits for building his/her own as this is a simple static conversion utility</a:t>
-            </a:r>
-            <a:r>
-              <a:rPr lang="en-US" sz="2000" dirty="0" smtClean="0"/>
-              <a:t>.</a:t>
+              <a:t>). No additional credits for building his/her own as this is a simple static conversion utility.</a:t>
             </a:r>
             <a:endParaRPr lang="en-US" sz="2000" dirty="0"/>
           </a:p>
@@ -25281,7 +25237,7 @@
           <p:cNvPr id="2" name="Title 1">
             <a:extLst>
               <a:ext uri="{FF2B5EF4-FFF2-40B4-BE49-F238E27FC236}">
-                <a16:creationId xmlns:a16="http://schemas.microsoft.com/office/drawing/2014/main" xmlns="" id="{62976BD0-EC56-4413-B8C4-1C11F1896BE1}"/>
+                <a16:creationId xmlns="" xmlns:a16="http://schemas.microsoft.com/office/drawing/2014/main" id="{62976BD0-EC56-4413-B8C4-1C11F1896BE1}"/>
               </a:ext>
             </a:extLst>
           </p:cNvPr>
@@ -25299,11 +25255,7 @@
           <a:p>
             <a:r>
               <a:rPr lang="en-US" dirty="0" smtClean="0"/>
-              <a:t>Solution </a:t>
-            </a:r>
-            <a:r>
-              <a:rPr lang="en-US" dirty="0" smtClean="0"/>
-              <a:t>Assumptions</a:t>
+              <a:t>Solution Assumptions</a:t>
             </a:r>
             <a:endParaRPr lang="en-US" dirty="0"/>
           </a:p>
@@ -25314,7 +25266,7 @@
           <p:cNvPr id="3" name="Text Placeholder 2">
             <a:extLst>
               <a:ext uri="{FF2B5EF4-FFF2-40B4-BE49-F238E27FC236}">
-                <a16:creationId xmlns:a16="http://schemas.microsoft.com/office/drawing/2014/main" xmlns="" id="{871D1BD1-133A-4DB2-B4C8-1BE2E43306C4}"/>
+                <a16:creationId xmlns="" xmlns:a16="http://schemas.microsoft.com/office/drawing/2014/main" id="{871D1BD1-133A-4DB2-B4C8-1BE2E43306C4}"/>
               </a:ext>
             </a:extLst>
           </p:cNvPr>
@@ -25346,23 +25298,7 @@
                   <a:srgbClr val="0070C0"/>
                 </a:solidFill>
               </a:rPr>
-              <a:t>This component </a:t>
-            </a:r>
-            <a:r>
-              <a:rPr lang="en-US" sz="1400" dirty="0" smtClean="0">
-                <a:solidFill>
-                  <a:srgbClr val="0070C0"/>
-                </a:solidFill>
-              </a:rPr>
-              <a:t>needs to be a Core Java </a:t>
-            </a:r>
-            <a:r>
-              <a:rPr lang="en-US" sz="1400" dirty="0" smtClean="0">
-                <a:solidFill>
-                  <a:srgbClr val="0070C0"/>
-                </a:solidFill>
-              </a:rPr>
-              <a:t>application/solution that handles simultaneous (non-blocking) loading of files based on availability and showing visually through interactive commands latest Profit/Loss of the Portfolio at various regions</a:t>
+              <a:t>This component needs to be a Core Java application/solution that handles simultaneous (non-blocking) loading of files based on availability and showing visually through interactive commands latest Profit/Loss of the Portfolio at various regions</a:t>
             </a:r>
           </a:p>
           <a:p>
@@ -25375,15 +25311,7 @@
                   <a:srgbClr val="0070C0"/>
                 </a:solidFill>
               </a:rPr>
-              <a:t>Stock </a:t>
-            </a:r>
-            <a:r>
-              <a:rPr lang="en-US" sz="1400" dirty="0" smtClean="0">
-                <a:solidFill>
-                  <a:srgbClr val="0070C0"/>
-                </a:solidFill>
-              </a:rPr>
-              <a:t>holding amounts do not change from the previous day. If Holding amount is provided in the file, it can be ignored or processed, no changes to holding amounts</a:t>
+              <a:t>Stock holding amounts do not change from the previous day. If Holding amount is provided in the file, it can be ignored or processed, no changes to holding amounts</a:t>
             </a:r>
           </a:p>
           <a:p>
@@ -25516,15 +25444,7 @@
                   <a:srgbClr val="0070C0"/>
                 </a:solidFill>
               </a:rPr>
-              <a:t>No persistent data store is expected, module needs to be able to restart from “Start of the Day” if required by terminating all the appropriate daemons and restarting in necessary </a:t>
-            </a:r>
-            <a:r>
-              <a:rPr lang="en-US" sz="1400" dirty="0" smtClean="0">
-                <a:solidFill>
-                  <a:srgbClr val="0070C0"/>
-                </a:solidFill>
-              </a:rPr>
-              <a:t>sequence</a:t>
+              <a:t>No persistent data store is expected, module needs to be able to restart from “Start of the Day” if required by terminating all the appropriate daemons and restarting in necessary sequence</a:t>
             </a:r>
           </a:p>
           <a:p>
@@ -25568,11 +25488,6 @@
               </a:rPr>
               <a:t> party packages as long as the components are pre-built Portfolio and Profit/Loss calculators</a:t>
             </a:r>
-            <a:endParaRPr lang="en-US" sz="1400" dirty="0" smtClean="0">
-              <a:solidFill>
-                <a:srgbClr val="0070C0"/>
-              </a:solidFill>
-            </a:endParaRPr>
           </a:p>
           <a:p>
             <a:pPr marL="342900" indent="-342900">
@@ -25628,7 +25543,7 @@
           <p:cNvPr id="2" name="Title 1">
             <a:extLst>
               <a:ext uri="{FF2B5EF4-FFF2-40B4-BE49-F238E27FC236}">
-                <a16:creationId xmlns:a16="http://schemas.microsoft.com/office/drawing/2014/main" xmlns="" id="{62976BD0-EC56-4413-B8C4-1C11F1896BE1}"/>
+                <a16:creationId xmlns="" xmlns:a16="http://schemas.microsoft.com/office/drawing/2014/main" id="{62976BD0-EC56-4413-B8C4-1C11F1896BE1}"/>
               </a:ext>
             </a:extLst>
           </p:cNvPr>
@@ -25657,7 +25572,7 @@
           <p:cNvPr id="3" name="Text Placeholder 2">
             <a:extLst>
               <a:ext uri="{FF2B5EF4-FFF2-40B4-BE49-F238E27FC236}">
-                <a16:creationId xmlns:a16="http://schemas.microsoft.com/office/drawing/2014/main" xmlns="" id="{871D1BD1-133A-4DB2-B4C8-1BE2E43306C4}"/>
+                <a16:creationId xmlns="" xmlns:a16="http://schemas.microsoft.com/office/drawing/2014/main" id="{871D1BD1-133A-4DB2-B4C8-1BE2E43306C4}"/>
               </a:ext>
             </a:extLst>
           </p:cNvPr>
@@ -25721,6 +25636,22 @@
               <a:t>in a currency = </a:t>
             </a:r>
             <a:r>
+              <a:rPr lang="en-US" sz="2000" b="1" i="1" dirty="0" smtClean="0"/>
+              <a:t>Current</a:t>
+            </a:r>
+            <a:r>
+              <a:rPr lang="en-US" sz="2000" i="1" dirty="0" smtClean="0"/>
+              <a:t> </a:t>
+            </a:r>
+            <a:r>
+              <a:rPr lang="en-US" sz="2000" i="1" u="sng" dirty="0"/>
+              <a:t>Value of </a:t>
+            </a:r>
+            <a:r>
+              <a:rPr lang="en-US" sz="2000" i="1" u="sng" dirty="0" smtClean="0"/>
+              <a:t>Portfolio - </a:t>
+            </a:r>
+            <a:r>
               <a:rPr lang="en-US" sz="2000" b="1" i="1" dirty="0"/>
               <a:t>PrevDay</a:t>
             </a:r>
@@ -25730,23 +25661,11 @@
             </a:r>
             <a:r>
               <a:rPr lang="en-US" sz="2000" i="1" u="sng" dirty="0"/>
-              <a:t>Value of Portfolio</a:t>
-            </a:r>
-            <a:r>
-              <a:rPr lang="en-US" sz="2000" i="1" dirty="0"/>
-              <a:t> – </a:t>
-            </a:r>
-            <a:r>
-              <a:rPr lang="en-US" sz="2000" b="1" i="1" dirty="0"/>
-              <a:t>Current</a:t>
-            </a:r>
-            <a:r>
-              <a:rPr lang="en-US" sz="2000" i="1" dirty="0"/>
-              <a:t> </a:t>
-            </a:r>
-            <a:r>
-              <a:rPr lang="en-US" sz="2000" i="1" u="sng" dirty="0"/>
-              <a:t>Value of Portfolio</a:t>
+              <a:t>Value of </a:t>
+            </a:r>
+            <a:r>
+              <a:rPr lang="en-US" sz="2000" i="1" u="sng" dirty="0" smtClean="0"/>
+              <a:t>Portfolio</a:t>
             </a:r>
             <a:endParaRPr lang="en-US" sz="2000" dirty="0"/>
           </a:p>
@@ -25825,11 +25744,6 @@
               </a:rPr>
               <a:t>://github.com/skandula76/PS_NY_Fall2018_CoreJavaHack</a:t>
             </a:r>
-            <a:endParaRPr lang="en-US" sz="2000" dirty="0">
-              <a:solidFill>
-                <a:srgbClr val="002060"/>
-              </a:solidFill>
-            </a:endParaRPr>
           </a:p>
         </p:txBody>
       </p:sp>
@@ -25875,7 +25789,7 @@
           <p:cNvPr id="2" name="Title 1">
             <a:extLst>
               <a:ext uri="{FF2B5EF4-FFF2-40B4-BE49-F238E27FC236}">
-                <a16:creationId xmlns:a16="http://schemas.microsoft.com/office/drawing/2014/main" xmlns="" id="{62976BD0-EC56-4413-B8C4-1C11F1896BE1}"/>
+                <a16:creationId xmlns="" xmlns:a16="http://schemas.microsoft.com/office/drawing/2014/main" id="{62976BD0-EC56-4413-B8C4-1C11F1896BE1}"/>
               </a:ext>
             </a:extLst>
           </p:cNvPr>
